--- a/paper/M-RAG.pptx
+++ b/paper/M-RAG.pptx
@@ -215,7 +215,7 @@
           <a:p>
             <a:fld id="{064393DA-8587-44D6-9E8F-883027701E04}" type="datetimeFigureOut">
               <a:rPr lang="en-GB" smtClean="0"/>
-              <a:t>25/06/2024</a:t>
+              <a:t>01/07/2024</a:t>
             </a:fld>
             <a:endParaRPr lang="en-GB"/>
           </a:p>
@@ -1637,7 +1637,7 @@
           <a:p>
             <a:fld id="{34D345EB-B0A5-4646-98CA-B6E3E01765CC}" type="datetime1">
               <a:rPr lang="en-GB" smtClean="0"/>
-              <a:t>25/06/2024</a:t>
+              <a:t>01/07/2024</a:t>
             </a:fld>
             <a:endParaRPr lang="en-GB"/>
           </a:p>
@@ -1837,7 +1837,7 @@
           <a:p>
             <a:fld id="{C29B435B-B099-4B2E-926E-55C5C737FFA7}" type="datetime1">
               <a:rPr lang="en-GB" smtClean="0"/>
-              <a:t>25/06/2024</a:t>
+              <a:t>01/07/2024</a:t>
             </a:fld>
             <a:endParaRPr lang="en-GB"/>
           </a:p>
@@ -2029,7 +2029,7 @@
           <a:p>
             <a:fld id="{AC1F1BF8-E17B-4B6E-8CBF-3DF614A1B740}" type="datetime1">
               <a:rPr lang="en-GB" smtClean="0"/>
-              <a:t>25/06/2024</a:t>
+              <a:t>01/07/2024</a:t>
             </a:fld>
             <a:endParaRPr lang="en-GB"/>
           </a:p>
@@ -2397,7 +2397,7 @@
           <a:p>
             <a:fld id="{31BF4872-1531-4ED2-8DE1-5A574DFB1F53}" type="datetime1">
               <a:rPr lang="en-GB" smtClean="0"/>
-              <a:t>25/06/2024</a:t>
+              <a:t>01/07/2024</a:t>
             </a:fld>
             <a:endParaRPr lang="en-GB"/>
           </a:p>
@@ -2575,7 +2575,7 @@
           <a:p>
             <a:fld id="{474A9C4D-EA58-481D-93E4-A53A7C808CCE}" type="datetime1">
               <a:rPr lang="en-GB" smtClean="0"/>
-              <a:t>25/06/2024</a:t>
+              <a:t>01/07/2024</a:t>
             </a:fld>
             <a:endParaRPr lang="en-GB"/>
           </a:p>
@@ -2839,7 +2839,7 @@
           <a:p>
             <a:fld id="{6896B38E-0345-49E7-BE68-17AC2E488B5F}" type="datetime1">
               <a:rPr lang="en-GB" smtClean="0"/>
-              <a:t>25/06/2024</a:t>
+              <a:t>01/07/2024</a:t>
             </a:fld>
             <a:endParaRPr lang="en-GB"/>
           </a:p>
@@ -3160,7 +3160,7 @@
           <a:p>
             <a:fld id="{7302A32F-B957-4253-B50A-EA6582C2ED25}" type="datetime1">
               <a:rPr lang="en-GB" smtClean="0"/>
-              <a:t>25/06/2024</a:t>
+              <a:t>01/07/2024</a:t>
             </a:fld>
             <a:endParaRPr lang="en-GB"/>
           </a:p>
@@ -4252,7 +4252,7 @@
           <a:p>
             <a:fld id="{8CC9CBF4-4392-4798-A87E-01CD6F8C35A4}" type="datetime1">
               <a:rPr lang="en-GB" smtClean="0"/>
-              <a:t>25/06/2024</a:t>
+              <a:t>01/07/2024</a:t>
             </a:fld>
             <a:endParaRPr lang="en-GB"/>
           </a:p>
@@ -6063,7 +6063,7 @@
           <a:p>
             <a:fld id="{A930F90B-DF74-4D62-BC59-51841C35E82C}" type="datetime1">
               <a:rPr lang="en-GB" smtClean="0"/>
-              <a:t>25/06/2024</a:t>
+              <a:t>01/07/2024</a:t>
             </a:fld>
             <a:endParaRPr lang="en-GB"/>
           </a:p>
@@ -6307,7 +6307,7 @@
           <a:p>
             <a:fld id="{7287BFFC-9CA5-4E50-B049-45D96DD1724B}" type="datetime1">
               <a:rPr lang="en-GB" smtClean="0"/>
-              <a:t>25/06/2024</a:t>
+              <a:t>01/07/2024</a:t>
             </a:fld>
             <a:endParaRPr lang="en-GB"/>
           </a:p>
@@ -6686,7 +6686,7 @@
           <a:p>
             <a:fld id="{985B9811-0636-4B1B-A1CD-1FDAE8537323}" type="datetime1">
               <a:rPr lang="en-GB" smtClean="0"/>
-              <a:t>25/06/2024</a:t>
+              <a:t>01/07/2024</a:t>
             </a:fld>
             <a:endParaRPr lang="en-GB"/>
           </a:p>
@@ -6816,7 +6816,7 @@
           <a:p>
             <a:fld id="{BD2B3FEC-A6EB-4CD3-A747-9603BB9E2157}" type="datetime1">
               <a:rPr lang="en-GB" smtClean="0"/>
-              <a:t>25/06/2024</a:t>
+              <a:t>01/07/2024</a:t>
             </a:fld>
             <a:endParaRPr lang="en-GB"/>
           </a:p>
@@ -6923,7 +6923,7 @@
           <a:p>
             <a:fld id="{C7C20FF9-DC68-4F79-B9BC-1FDC3119E9CF}" type="datetime1">
               <a:rPr lang="en-GB" smtClean="0"/>
-              <a:t>25/06/2024</a:t>
+              <a:t>01/07/2024</a:t>
             </a:fld>
             <a:endParaRPr lang="en-GB"/>
           </a:p>
@@ -7212,7 +7212,7 @@
           <a:p>
             <a:fld id="{BB52D110-C635-452D-B267-EAD0F8B99BF9}" type="datetime1">
               <a:rPr lang="en-GB" smtClean="0"/>
-              <a:t>25/06/2024</a:t>
+              <a:t>01/07/2024</a:t>
             </a:fld>
             <a:endParaRPr lang="en-GB"/>
           </a:p>
@@ -7481,7 +7481,7 @@
           <a:p>
             <a:fld id="{E6E1ECD7-CE9E-4761-A327-DC1BCF18DC8C}" type="datetime1">
               <a:rPr lang="en-GB" smtClean="0"/>
-              <a:t>25/06/2024</a:t>
+              <a:t>01/07/2024</a:t>
             </a:fld>
             <a:endParaRPr lang="en-GB"/>
           </a:p>
@@ -8292,7 +8292,7 @@
           <a:p>
             <a:fld id="{CDFC2330-3429-4128-9CCD-062C2B7CFE4F}" type="datetime1">
               <a:rPr lang="en-GB" smtClean="0"/>
-              <a:t>25/06/2024</a:t>
+              <a:t>01/07/2024</a:t>
             </a:fld>
             <a:endParaRPr lang="en-GB"/>
           </a:p>
@@ -10053,8 +10053,9 @@
               <a:solidFill>
                 <a:srgbClr val="000000"/>
               </a:solidFill>
-              <a:latin typeface="微软雅黑" panose="020B0503020204020204" pitchFamily="34" charset="-122"/>
+              <a:latin typeface="Arial" panose="020B0604020202020204" pitchFamily="34" charset="0"/>
               <a:ea typeface="微软雅黑" panose="020B0503020204020204" pitchFamily="34" charset="-122"/>
+              <a:cs typeface="Arial" panose="020B0604020202020204" pitchFamily="34" charset="0"/>
             </a:endParaRPr>
           </a:p>
           <a:p>
@@ -10062,8 +10063,9 @@
               <a:solidFill>
                 <a:srgbClr val="000000"/>
               </a:solidFill>
-              <a:latin typeface="微软雅黑" panose="020B0503020204020204" pitchFamily="34" charset="-122"/>
+              <a:latin typeface="Arial" panose="020B0604020202020204" pitchFamily="34" charset="0"/>
               <a:ea typeface="微软雅黑" panose="020B0503020204020204" pitchFamily="34" charset="-122"/>
+              <a:cs typeface="Arial" panose="020B0604020202020204" pitchFamily="34" charset="0"/>
             </a:endParaRPr>
           </a:p>
         </p:txBody>
@@ -10122,7 +10124,10 @@
           <a:lstStyle/>
           <a:p>
             <a:pPr algn="ctr"/>
-            <a:endParaRPr lang="zh-CN" altLang="en-US"/>
+            <a:endParaRPr lang="zh-CN" altLang="en-US">
+              <a:latin typeface="Arial" panose="020B0604020202020204" pitchFamily="34" charset="0"/>
+              <a:cs typeface="Arial" panose="020B0604020202020204" pitchFamily="34" charset="0"/>
+            </a:endParaRPr>
           </a:p>
         </p:txBody>
       </p:sp>
@@ -10162,8 +10167,9 @@
                 <a:solidFill>
                   <a:srgbClr val="000000"/>
                 </a:solidFill>
-                <a:latin typeface="Microsoft YaHei" panose="020B0503020204020204" pitchFamily="34" charset="-122"/>
+                <a:latin typeface="Arial" panose="020B0604020202020204" pitchFamily="34" charset="0"/>
                 <a:ea typeface="Microsoft YaHei" panose="020B0503020204020204" pitchFamily="34" charset="-122"/>
+                <a:cs typeface="Arial" panose="020B0604020202020204" pitchFamily="34" charset="0"/>
               </a:rPr>
               <a:t>Existing</a:t>
             </a:r>
@@ -10172,8 +10178,9 @@
                 <a:solidFill>
                   <a:srgbClr val="000000"/>
                 </a:solidFill>
-                <a:latin typeface="Microsoft YaHei" panose="020B0503020204020204" pitchFamily="34" charset="-122"/>
+                <a:latin typeface="Arial" panose="020B0604020202020204" pitchFamily="34" charset="0"/>
                 <a:ea typeface="Microsoft YaHei" panose="020B0503020204020204" pitchFamily="34" charset="-122"/>
+                <a:cs typeface="Arial" panose="020B0604020202020204" pitchFamily="34" charset="0"/>
               </a:rPr>
               <a:t> </a:t>
             </a:r>
@@ -10182,8 +10189,9 @@
                 <a:solidFill>
                   <a:srgbClr val="000000"/>
                 </a:solidFill>
-                <a:latin typeface="Microsoft YaHei" panose="020B0503020204020204" pitchFamily="34" charset="-122"/>
+                <a:latin typeface="Arial" panose="020B0604020202020204" pitchFamily="34" charset="0"/>
                 <a:ea typeface="Microsoft YaHei" panose="020B0503020204020204" pitchFamily="34" charset="-122"/>
+                <a:cs typeface="Arial" panose="020B0604020202020204" pitchFamily="34" charset="0"/>
               </a:rPr>
               <a:t>RAG Answer</a:t>
             </a:r>
@@ -10191,8 +10199,9 @@
               <a:solidFill>
                 <a:srgbClr val="000000"/>
               </a:solidFill>
-              <a:latin typeface="Microsoft YaHei" panose="020B0503020204020204" pitchFamily="34" charset="-122"/>
+              <a:latin typeface="Arial" panose="020B0604020202020204" pitchFamily="34" charset="0"/>
               <a:ea typeface="Microsoft YaHei" panose="020B0503020204020204" pitchFamily="34" charset="-122"/>
+              <a:cs typeface="Arial" panose="020B0604020202020204" pitchFamily="34" charset="0"/>
             </a:endParaRPr>
           </a:p>
         </p:txBody>
@@ -10211,8 +10220,8 @@
         </p:nvSpPr>
         <p:spPr>
           <a:xfrm rot="16200000">
-            <a:off x="7048014" y="4305537"/>
-            <a:ext cx="184666" cy="2376741"/>
+            <a:off x="7048014" y="4379467"/>
+            <a:ext cx="184666" cy="2228880"/>
           </a:xfrm>
           <a:prstGeom prst="rect">
             <a:avLst/>
@@ -10236,8 +10245,9 @@
                 <a:solidFill>
                   <a:schemeClr val="bg2"/>
                 </a:solidFill>
-                <a:latin typeface="Microsoft YaHei" panose="020B0503020204020204" pitchFamily="34" charset="-122"/>
+                <a:latin typeface="Arial" panose="020B0604020202020204" pitchFamily="34" charset="0"/>
                 <a:ea typeface="Microsoft YaHei" panose="020B0503020204020204" pitchFamily="34" charset="-122"/>
+                <a:cs typeface="Arial" panose="020B0604020202020204" pitchFamily="34" charset="0"/>
               </a:rPr>
               <a:t>Multiple</a:t>
             </a:r>
@@ -10246,8 +10256,9 @@
                 <a:solidFill>
                   <a:schemeClr val="bg2"/>
                 </a:solidFill>
-                <a:latin typeface="Microsoft YaHei" panose="020B0503020204020204" pitchFamily="34" charset="-122"/>
+                <a:latin typeface="Arial" panose="020B0604020202020204" pitchFamily="34" charset="0"/>
                 <a:ea typeface="Microsoft YaHei" panose="020B0503020204020204" pitchFamily="34" charset="-122"/>
+                <a:cs typeface="Arial" panose="020B0604020202020204" pitchFamily="34" charset="0"/>
               </a:rPr>
               <a:t> </a:t>
             </a:r>
@@ -10256,8 +10267,9 @@
                 <a:solidFill>
                   <a:schemeClr val="bg2"/>
                 </a:solidFill>
-                <a:latin typeface="Microsoft YaHei" panose="020B0503020204020204" pitchFamily="34" charset="-122"/>
+                <a:latin typeface="Arial" panose="020B0604020202020204" pitchFamily="34" charset="0"/>
                 <a:ea typeface="Microsoft YaHei" panose="020B0503020204020204" pitchFamily="34" charset="-122"/>
+                <a:cs typeface="Arial" panose="020B0604020202020204" pitchFamily="34" charset="0"/>
               </a:rPr>
               <a:t>Partition RAG</a:t>
             </a:r>
@@ -10266,8 +10278,9 @@
                 <a:solidFill>
                   <a:schemeClr val="bg2"/>
                 </a:solidFill>
-                <a:latin typeface="Microsoft YaHei" panose="020B0503020204020204" pitchFamily="34" charset="-122"/>
+                <a:latin typeface="Arial" panose="020B0604020202020204" pitchFamily="34" charset="0"/>
                 <a:ea typeface="Microsoft YaHei" panose="020B0503020204020204" pitchFamily="34" charset="-122"/>
+                <a:cs typeface="Arial" panose="020B0604020202020204" pitchFamily="34" charset="0"/>
               </a:rPr>
               <a:t> </a:t>
             </a:r>
@@ -10276,8 +10289,9 @@
                 <a:solidFill>
                   <a:schemeClr val="bg2"/>
                 </a:solidFill>
-                <a:latin typeface="Microsoft YaHei" panose="020B0503020204020204" pitchFamily="34" charset="-122"/>
+                <a:latin typeface="Arial" panose="020B0604020202020204" pitchFamily="34" charset="0"/>
                 <a:ea typeface="Microsoft YaHei" panose="020B0503020204020204" pitchFamily="34" charset="-122"/>
+                <a:cs typeface="Arial" panose="020B0604020202020204" pitchFamily="34" charset="0"/>
               </a:rPr>
               <a:t>Answer</a:t>
             </a:r>
@@ -10285,8 +10299,9 @@
               <a:solidFill>
                 <a:schemeClr val="bg2"/>
               </a:solidFill>
-              <a:latin typeface="Microsoft YaHei" panose="020B0503020204020204" pitchFamily="34" charset="-122"/>
+              <a:latin typeface="Arial" panose="020B0604020202020204" pitchFamily="34" charset="0"/>
               <a:ea typeface="Microsoft YaHei" panose="020B0503020204020204" pitchFamily="34" charset="-122"/>
+              <a:cs typeface="Arial" panose="020B0604020202020204" pitchFamily="34" charset="0"/>
             </a:endParaRPr>
           </a:p>
         </p:txBody>
@@ -10327,8 +10342,9 @@
                 <a:solidFill>
                   <a:schemeClr val="accent3"/>
                 </a:solidFill>
-                <a:latin typeface="Microsoft YaHei" panose="020B0503020204020204" pitchFamily="34" charset="-122"/>
+                <a:latin typeface="Arial" panose="020B0604020202020204" pitchFamily="34" charset="0"/>
                 <a:ea typeface="Microsoft YaHei" panose="020B0503020204020204" pitchFamily="34" charset="-122"/>
+                <a:cs typeface="Arial" panose="020B0604020202020204" pitchFamily="34" charset="0"/>
               </a:rPr>
               <a:t>Problem</a:t>
             </a:r>
@@ -10336,8 +10352,9 @@
               <a:solidFill>
                 <a:schemeClr val="accent3"/>
               </a:solidFill>
-              <a:latin typeface="Microsoft YaHei" panose="020B0503020204020204" pitchFamily="34" charset="-122"/>
+              <a:latin typeface="Arial" panose="020B0604020202020204" pitchFamily="34" charset="0"/>
               <a:ea typeface="Microsoft YaHei" panose="020B0503020204020204" pitchFamily="34" charset="-122"/>
+              <a:cs typeface="Arial" panose="020B0604020202020204" pitchFamily="34" charset="0"/>
             </a:endParaRPr>
           </a:p>
         </p:txBody>
@@ -10448,14 +10465,16 @@
           <a:p>
             <a:r>
               <a:rPr lang="en-US" altLang="zh-CN" sz="1200" dirty="0">
-                <a:latin typeface="Microsoft YaHei" panose="020B0503020204020204" pitchFamily="34" charset="-122"/>
+                <a:latin typeface="Arial" panose="020B0604020202020204" pitchFamily="34" charset="0"/>
                 <a:ea typeface="Microsoft YaHei" panose="020B0503020204020204" pitchFamily="34" charset="-122"/>
+                <a:cs typeface="Arial" panose="020B0604020202020204" pitchFamily="34" charset="0"/>
               </a:rPr>
               <a:t>In which episode of "The Big Bang Theory" does Elon Musk appear, and what is the plot?</a:t>
             </a:r>
             <a:endParaRPr lang="en-SG" sz="1200" dirty="0">
-              <a:latin typeface="Microsoft YaHei" panose="020B0503020204020204" pitchFamily="34" charset="-122"/>
+              <a:latin typeface="Arial" panose="020B0604020202020204" pitchFamily="34" charset="0"/>
               <a:ea typeface="Microsoft YaHei" panose="020B0503020204020204" pitchFamily="34" charset="-122"/>
+              <a:cs typeface="Arial" panose="020B0604020202020204" pitchFamily="34" charset="0"/>
             </a:endParaRPr>
           </a:p>
         </p:txBody>
@@ -10514,7 +10533,10 @@
           <a:lstStyle/>
           <a:p>
             <a:pPr algn="ctr"/>
-            <a:endParaRPr lang="zh-CN" altLang="en-US"/>
+            <a:endParaRPr lang="zh-CN" altLang="en-US">
+              <a:latin typeface="Arial" panose="020B0604020202020204" pitchFamily="34" charset="0"/>
+              <a:cs typeface="Arial" panose="020B0604020202020204" pitchFamily="34" charset="0"/>
+            </a:endParaRPr>
           </a:p>
         </p:txBody>
       </p:sp>
@@ -10716,7 +10738,10 @@
           <a:lstStyle/>
           <a:p>
             <a:pPr algn="ctr"/>
-            <a:endParaRPr lang="zh-CN" altLang="en-US" dirty="0"/>
+            <a:endParaRPr lang="zh-CN" altLang="en-US" dirty="0">
+              <a:latin typeface="Arial" panose="020B0604020202020204" pitchFamily="34" charset="0"/>
+              <a:cs typeface="Arial" panose="020B0604020202020204" pitchFamily="34" charset="0"/>
+            </a:endParaRPr>
           </a:p>
         </p:txBody>
       </p:sp>
@@ -10734,8 +10759,8 @@
         </p:nvSpPr>
         <p:spPr>
           <a:xfrm rot="16200000">
-            <a:off x="4332079" y="3490732"/>
-            <a:ext cx="396000" cy="950560"/>
+            <a:off x="4345413" y="3490732"/>
+            <a:ext cx="369332" cy="950560"/>
           </a:xfrm>
           <a:prstGeom prst="rect">
             <a:avLst/>
@@ -10759,8 +10784,9 @@
                 <a:solidFill>
                   <a:srgbClr val="000000"/>
                 </a:solidFill>
-                <a:latin typeface="Microsoft YaHei" panose="020B0503020204020204" pitchFamily="34" charset="-122"/>
+                <a:latin typeface="Arial" panose="020B0604020202020204" pitchFamily="34" charset="0"/>
                 <a:ea typeface="Microsoft YaHei" panose="020B0503020204020204" pitchFamily="34" charset="-122"/>
+                <a:cs typeface="Arial" panose="020B0604020202020204" pitchFamily="34" charset="0"/>
               </a:rPr>
               <a:t>Z</a:t>
             </a:r>
@@ -10769,8 +10795,9 @@
                 <a:solidFill>
                   <a:srgbClr val="000000"/>
                 </a:solidFill>
-                <a:latin typeface="Microsoft YaHei" panose="020B0503020204020204" pitchFamily="34" charset="-122"/>
+                <a:latin typeface="Arial" panose="020B0604020202020204" pitchFamily="34" charset="0"/>
                 <a:ea typeface="Microsoft YaHei" panose="020B0503020204020204" pitchFamily="34" charset="-122"/>
+                <a:cs typeface="Arial" panose="020B0604020202020204" pitchFamily="34" charset="0"/>
               </a:rPr>
               <a:t>ip2</a:t>
             </a:r>
@@ -10779,8 +10806,9 @@
                 <a:solidFill>
                   <a:srgbClr val="000000"/>
                 </a:solidFill>
-                <a:latin typeface="Microsoft YaHei" panose="020B0503020204020204" pitchFamily="34" charset="-122"/>
+                <a:latin typeface="Arial" panose="020B0604020202020204" pitchFamily="34" charset="0"/>
                 <a:ea typeface="Microsoft YaHei" panose="020B0503020204020204" pitchFamily="34" charset="-122"/>
+                <a:cs typeface="Arial" panose="020B0604020202020204" pitchFamily="34" charset="0"/>
               </a:rPr>
               <a:t> </a:t>
             </a:r>
@@ -10789,8 +10817,9 @@
                 <a:solidFill>
                   <a:srgbClr val="000000"/>
                 </a:solidFill>
-                <a:latin typeface="Microsoft YaHei" panose="020B0503020204020204" pitchFamily="34" charset="-122"/>
+                <a:latin typeface="Arial" panose="020B0604020202020204" pitchFamily="34" charset="0"/>
                 <a:ea typeface="Microsoft YaHei" panose="020B0503020204020204" pitchFamily="34" charset="-122"/>
+                <a:cs typeface="Arial" panose="020B0604020202020204" pitchFamily="34" charset="0"/>
               </a:rPr>
               <a:t>partition</a:t>
             </a:r>
@@ -10798,8 +10827,9 @@
               <a:solidFill>
                 <a:srgbClr val="000000"/>
               </a:solidFill>
-              <a:latin typeface="Microsoft YaHei" panose="020B0503020204020204" pitchFamily="34" charset="-122"/>
+              <a:latin typeface="Arial" panose="020B0604020202020204" pitchFamily="34" charset="0"/>
               <a:ea typeface="Microsoft YaHei" panose="020B0503020204020204" pitchFamily="34" charset="-122"/>
+              <a:cs typeface="Arial" panose="020B0604020202020204" pitchFamily="34" charset="0"/>
             </a:endParaRPr>
           </a:p>
         </p:txBody>
@@ -10866,7 +10896,10 @@
           <a:lstStyle/>
           <a:p>
             <a:pPr algn="ctr"/>
-            <a:endParaRPr lang="zh-CN" altLang="en-US" dirty="0"/>
+            <a:endParaRPr lang="zh-CN" altLang="en-US" dirty="0">
+              <a:latin typeface="Arial" panose="020B0604020202020204" pitchFamily="34" charset="0"/>
+              <a:cs typeface="Arial" panose="020B0604020202020204" pitchFamily="34" charset="0"/>
+            </a:endParaRPr>
           </a:p>
         </p:txBody>
       </p:sp>
@@ -10884,8 +10917,8 @@
         </p:nvSpPr>
         <p:spPr>
           <a:xfrm rot="16200000">
-            <a:off x="4341841" y="4066811"/>
-            <a:ext cx="396000" cy="970084"/>
+            <a:off x="4355175" y="4066811"/>
+            <a:ext cx="369332" cy="970084"/>
           </a:xfrm>
           <a:prstGeom prst="rect">
             <a:avLst/>
@@ -10909,8 +10942,9 @@
                 <a:solidFill>
                   <a:srgbClr val="000000"/>
                 </a:solidFill>
-                <a:latin typeface="Microsoft YaHei" panose="020B0503020204020204" pitchFamily="34" charset="-122"/>
+                <a:latin typeface="Arial" panose="020B0604020202020204" pitchFamily="34" charset="0"/>
                 <a:ea typeface="Microsoft YaHei" panose="020B0503020204020204" pitchFamily="34" charset="-122"/>
+                <a:cs typeface="Arial" panose="020B0604020202020204" pitchFamily="34" charset="0"/>
               </a:rPr>
               <a:t>P</a:t>
             </a:r>
@@ -10919,8 +10953,9 @@
                 <a:solidFill>
                   <a:srgbClr val="000000"/>
                 </a:solidFill>
-                <a:latin typeface="Microsoft YaHei" panose="020B0503020204020204" pitchFamily="34" charset="-122"/>
+                <a:latin typeface="Arial" panose="020B0604020202020204" pitchFamily="34" charset="0"/>
                 <a:ea typeface="Microsoft YaHei" panose="020B0503020204020204" pitchFamily="34" charset="-122"/>
+                <a:cs typeface="Arial" panose="020B0604020202020204" pitchFamily="34" charset="0"/>
               </a:rPr>
               <a:t>aypal</a:t>
             </a:r>
@@ -10929,8 +10964,9 @@
                 <a:solidFill>
                   <a:srgbClr val="000000"/>
                 </a:solidFill>
-                <a:latin typeface="Microsoft YaHei" panose="020B0503020204020204" pitchFamily="34" charset="-122"/>
+                <a:latin typeface="Arial" panose="020B0604020202020204" pitchFamily="34" charset="0"/>
                 <a:ea typeface="Microsoft YaHei" panose="020B0503020204020204" pitchFamily="34" charset="-122"/>
+                <a:cs typeface="Arial" panose="020B0604020202020204" pitchFamily="34" charset="0"/>
               </a:rPr>
               <a:t> </a:t>
             </a:r>
@@ -10939,8 +10975,9 @@
                 <a:solidFill>
                   <a:srgbClr val="000000"/>
                 </a:solidFill>
-                <a:latin typeface="Microsoft YaHei" panose="020B0503020204020204" pitchFamily="34" charset="-122"/>
+                <a:latin typeface="Arial" panose="020B0604020202020204" pitchFamily="34" charset="0"/>
                 <a:ea typeface="Microsoft YaHei" panose="020B0503020204020204" pitchFamily="34" charset="-122"/>
+                <a:cs typeface="Arial" panose="020B0604020202020204" pitchFamily="34" charset="0"/>
               </a:rPr>
               <a:t>partition</a:t>
             </a:r>
@@ -10948,8 +10985,9 @@
               <a:solidFill>
                 <a:srgbClr val="000000"/>
               </a:solidFill>
-              <a:latin typeface="Microsoft YaHei" panose="020B0503020204020204" pitchFamily="34" charset="-122"/>
+              <a:latin typeface="Arial" panose="020B0604020202020204" pitchFamily="34" charset="0"/>
               <a:ea typeface="Microsoft YaHei" panose="020B0503020204020204" pitchFamily="34" charset="-122"/>
+              <a:cs typeface="Arial" panose="020B0604020202020204" pitchFamily="34" charset="0"/>
             </a:endParaRPr>
           </a:p>
         </p:txBody>
@@ -11012,7 +11050,10 @@
           <a:lstStyle/>
           <a:p>
             <a:pPr algn="ctr"/>
-            <a:endParaRPr lang="zh-CN" altLang="en-US"/>
+            <a:endParaRPr lang="zh-CN" altLang="en-US">
+              <a:latin typeface="Arial" panose="020B0604020202020204" pitchFamily="34" charset="0"/>
+              <a:cs typeface="Arial" panose="020B0604020202020204" pitchFamily="34" charset="0"/>
+            </a:endParaRPr>
           </a:p>
         </p:txBody>
       </p:sp>
@@ -11030,8 +11071,8 @@
         </p:nvSpPr>
         <p:spPr>
           <a:xfrm rot="16200000">
-            <a:off x="4343874" y="4856683"/>
-            <a:ext cx="396000" cy="970082"/>
+            <a:off x="4357208" y="4856683"/>
+            <a:ext cx="369332" cy="970082"/>
           </a:xfrm>
           <a:prstGeom prst="rect">
             <a:avLst/>
@@ -11055,8 +11096,9 @@
                 <a:solidFill>
                   <a:srgbClr val="000000"/>
                 </a:solidFill>
-                <a:latin typeface="Microsoft YaHei" panose="020B0503020204020204" pitchFamily="34" charset="-122"/>
+                <a:latin typeface="Arial" panose="020B0604020202020204" pitchFamily="34" charset="0"/>
                 <a:ea typeface="Microsoft YaHei" panose="020B0503020204020204" pitchFamily="34" charset="-122"/>
+                <a:cs typeface="Arial" panose="020B0604020202020204" pitchFamily="34" charset="0"/>
               </a:rPr>
               <a:t>Tesla</a:t>
             </a:r>
@@ -11065,8 +11107,9 @@
                 <a:solidFill>
                   <a:srgbClr val="000000"/>
                 </a:solidFill>
-                <a:latin typeface="Microsoft YaHei" panose="020B0503020204020204" pitchFamily="34" charset="-122"/>
+                <a:latin typeface="Arial" panose="020B0604020202020204" pitchFamily="34" charset="0"/>
                 <a:ea typeface="Microsoft YaHei" panose="020B0503020204020204" pitchFamily="34" charset="-122"/>
+                <a:cs typeface="Arial" panose="020B0604020202020204" pitchFamily="34" charset="0"/>
               </a:rPr>
               <a:t> </a:t>
             </a:r>
@@ -11075,8 +11118,9 @@
                 <a:solidFill>
                   <a:srgbClr val="000000"/>
                 </a:solidFill>
-                <a:latin typeface="Microsoft YaHei" panose="020B0503020204020204" pitchFamily="34" charset="-122"/>
+                <a:latin typeface="Arial" panose="020B0604020202020204" pitchFamily="34" charset="0"/>
                 <a:ea typeface="Microsoft YaHei" panose="020B0503020204020204" pitchFamily="34" charset="-122"/>
+                <a:cs typeface="Arial" panose="020B0604020202020204" pitchFamily="34" charset="0"/>
               </a:rPr>
               <a:t>partition</a:t>
             </a:r>
@@ -11084,8 +11128,9 @@
               <a:solidFill>
                 <a:srgbClr val="000000"/>
               </a:solidFill>
-              <a:latin typeface="Microsoft YaHei" panose="020B0503020204020204" pitchFamily="34" charset="-122"/>
+              <a:latin typeface="Arial" panose="020B0604020202020204" pitchFamily="34" charset="0"/>
               <a:ea typeface="Microsoft YaHei" panose="020B0503020204020204" pitchFamily="34" charset="-122"/>
+              <a:cs typeface="Arial" panose="020B0604020202020204" pitchFamily="34" charset="0"/>
             </a:endParaRPr>
           </a:p>
         </p:txBody>
@@ -11150,7 +11195,10 @@
           <a:lstStyle/>
           <a:p>
             <a:pPr algn="ctr"/>
-            <a:endParaRPr lang="zh-CN" altLang="en-US"/>
+            <a:endParaRPr lang="zh-CN" altLang="en-US">
+              <a:latin typeface="Arial" panose="020B0604020202020204" pitchFamily="34" charset="0"/>
+              <a:cs typeface="Arial" panose="020B0604020202020204" pitchFamily="34" charset="0"/>
+            </a:endParaRPr>
           </a:p>
         </p:txBody>
       </p:sp>
@@ -11168,8 +11216,8 @@
         </p:nvSpPr>
         <p:spPr>
           <a:xfrm rot="16200000">
-            <a:off x="4320922" y="5816073"/>
-            <a:ext cx="396000" cy="1002762"/>
+            <a:off x="4334256" y="5816073"/>
+            <a:ext cx="369332" cy="1002762"/>
           </a:xfrm>
           <a:prstGeom prst="rect">
             <a:avLst/>
@@ -11193,8 +11241,9 @@
                 <a:solidFill>
                   <a:srgbClr val="000000"/>
                 </a:solidFill>
-                <a:latin typeface="Microsoft YaHei" panose="020B0503020204020204" pitchFamily="34" charset="-122"/>
+                <a:latin typeface="Arial" panose="020B0604020202020204" pitchFamily="34" charset="0"/>
                 <a:ea typeface="Microsoft YaHei" panose="020B0503020204020204" pitchFamily="34" charset="-122"/>
+                <a:cs typeface="Arial" panose="020B0604020202020204" pitchFamily="34" charset="0"/>
               </a:rPr>
               <a:t>Film</a:t>
             </a:r>
@@ -11203,8 +11252,9 @@
                 <a:solidFill>
                   <a:srgbClr val="000000"/>
                 </a:solidFill>
-                <a:latin typeface="Microsoft YaHei" panose="020B0503020204020204" pitchFamily="34" charset="-122"/>
+                <a:latin typeface="Arial" panose="020B0604020202020204" pitchFamily="34" charset="0"/>
                 <a:ea typeface="Microsoft YaHei" panose="020B0503020204020204" pitchFamily="34" charset="-122"/>
+                <a:cs typeface="Arial" panose="020B0604020202020204" pitchFamily="34" charset="0"/>
               </a:rPr>
               <a:t> </a:t>
             </a:r>
@@ -11212,8 +11262,9 @@
               <a:solidFill>
                 <a:srgbClr val="000000"/>
               </a:solidFill>
-              <a:latin typeface="Microsoft YaHei" panose="020B0503020204020204" pitchFamily="34" charset="-122"/>
+              <a:latin typeface="Arial" panose="020B0604020202020204" pitchFamily="34" charset="0"/>
               <a:ea typeface="Microsoft YaHei" panose="020B0503020204020204" pitchFamily="34" charset="-122"/>
+              <a:cs typeface="Arial" panose="020B0604020202020204" pitchFamily="34" charset="0"/>
             </a:endParaRPr>
           </a:p>
           <a:p>
@@ -11223,8 +11274,9 @@
                 <a:solidFill>
                   <a:srgbClr val="000000"/>
                 </a:solidFill>
-                <a:latin typeface="Microsoft YaHei" panose="020B0503020204020204" pitchFamily="34" charset="-122"/>
+                <a:latin typeface="Arial" panose="020B0604020202020204" pitchFamily="34" charset="0"/>
                 <a:ea typeface="Microsoft YaHei" panose="020B0503020204020204" pitchFamily="34" charset="-122"/>
+                <a:cs typeface="Arial" panose="020B0604020202020204" pitchFamily="34" charset="0"/>
               </a:rPr>
               <a:t>partition</a:t>
             </a:r>
@@ -11232,8 +11284,9 @@
               <a:solidFill>
                 <a:srgbClr val="000000"/>
               </a:solidFill>
-              <a:latin typeface="Microsoft YaHei" panose="020B0503020204020204" pitchFamily="34" charset="-122"/>
+              <a:latin typeface="Arial" panose="020B0604020202020204" pitchFamily="34" charset="0"/>
               <a:ea typeface="Microsoft YaHei" panose="020B0503020204020204" pitchFamily="34" charset="-122"/>
+              <a:cs typeface="Arial" panose="020B0604020202020204" pitchFamily="34" charset="0"/>
             </a:endParaRPr>
           </a:p>
         </p:txBody>
@@ -11274,8 +11327,9 @@
                 <a:solidFill>
                   <a:srgbClr val="0070C0"/>
                 </a:solidFill>
-                <a:latin typeface="Microsoft YaHei" panose="020B0503020204020204" pitchFamily="34" charset="-122"/>
+                <a:latin typeface="Arial" panose="020B0604020202020204" pitchFamily="34" charset="0"/>
                 <a:ea typeface="Microsoft YaHei" panose="020B0503020204020204" pitchFamily="34" charset="-122"/>
+                <a:cs typeface="Arial" panose="020B0604020202020204" pitchFamily="34" charset="0"/>
               </a:rPr>
               <a:t>Search</a:t>
             </a:r>
@@ -11284,8 +11338,9 @@
                 <a:solidFill>
                   <a:srgbClr val="0070C0"/>
                 </a:solidFill>
-                <a:latin typeface="Microsoft YaHei" panose="020B0503020204020204" pitchFamily="34" charset="-122"/>
+                <a:latin typeface="Arial" panose="020B0604020202020204" pitchFamily="34" charset="0"/>
                 <a:ea typeface="Microsoft YaHei" panose="020B0503020204020204" pitchFamily="34" charset="-122"/>
+                <a:cs typeface="Arial" panose="020B0604020202020204" pitchFamily="34" charset="0"/>
               </a:rPr>
               <a:t> </a:t>
             </a:r>
@@ -11294,8 +11349,9 @@
                 <a:solidFill>
                   <a:srgbClr val="0070C0"/>
                 </a:solidFill>
-                <a:latin typeface="Microsoft YaHei" panose="020B0503020204020204" pitchFamily="34" charset="-122"/>
+                <a:latin typeface="Arial" panose="020B0604020202020204" pitchFamily="34" charset="0"/>
                 <a:ea typeface="Microsoft YaHei" panose="020B0503020204020204" pitchFamily="34" charset="-122"/>
+                <a:cs typeface="Arial" panose="020B0604020202020204" pitchFamily="34" charset="0"/>
               </a:rPr>
               <a:t>database</a:t>
             </a:r>
@@ -11303,8 +11359,9 @@
               <a:solidFill>
                 <a:srgbClr val="0070C0"/>
               </a:solidFill>
-              <a:latin typeface="Microsoft YaHei" panose="020B0503020204020204" pitchFamily="34" charset="-122"/>
+              <a:latin typeface="Arial" panose="020B0604020202020204" pitchFamily="34" charset="0"/>
               <a:ea typeface="Microsoft YaHei" panose="020B0503020204020204" pitchFamily="34" charset="-122"/>
+              <a:cs typeface="Arial" panose="020B0604020202020204" pitchFamily="34" charset="0"/>
             </a:endParaRPr>
           </a:p>
         </p:txBody>
@@ -11514,8 +11571,9 @@
                 <a:solidFill>
                   <a:srgbClr val="C00000"/>
                 </a:solidFill>
-                <a:latin typeface="Microsoft YaHei" panose="020B0503020204020204" pitchFamily="34" charset="-122"/>
+                <a:latin typeface="Arial" panose="020B0604020202020204" pitchFamily="34" charset="0"/>
                 <a:ea typeface="Microsoft YaHei" panose="020B0503020204020204" pitchFamily="34" charset="-122"/>
+                <a:cs typeface="Arial" panose="020B0604020202020204" pitchFamily="34" charset="0"/>
               </a:rPr>
               <a:t>Retrieved Memory</a:t>
             </a:r>
@@ -11523,8 +11581,9 @@
               <a:solidFill>
                 <a:srgbClr val="C00000"/>
               </a:solidFill>
-              <a:latin typeface="Microsoft YaHei" panose="020B0503020204020204" pitchFamily="34" charset="-122"/>
+              <a:latin typeface="Arial" panose="020B0604020202020204" pitchFamily="34" charset="0"/>
               <a:ea typeface="Microsoft YaHei" panose="020B0503020204020204" pitchFamily="34" charset="-122"/>
+              <a:cs typeface="Arial" panose="020B0604020202020204" pitchFamily="34" charset="0"/>
             </a:endParaRPr>
           </a:p>
         </p:txBody>
@@ -11614,8 +11673,9 @@
                     <a:lumMod val="75000"/>
                   </a:schemeClr>
                 </a:solidFill>
-                <a:latin typeface="Microsoft YaHei" panose="020B0503020204020204" pitchFamily="34" charset="-122"/>
+                <a:latin typeface="Arial" panose="020B0604020202020204" pitchFamily="34" charset="0"/>
                 <a:ea typeface="Microsoft YaHei" panose="020B0503020204020204" pitchFamily="34" charset="-122"/>
+                <a:cs typeface="Arial" panose="020B0604020202020204" pitchFamily="34" charset="0"/>
               </a:rPr>
               <a:t>Search</a:t>
             </a:r>
@@ -11626,8 +11686,9 @@
                     <a:lumMod val="75000"/>
                   </a:schemeClr>
                 </a:solidFill>
-                <a:latin typeface="Microsoft YaHei" panose="020B0503020204020204" pitchFamily="34" charset="-122"/>
+                <a:latin typeface="Arial" panose="020B0604020202020204" pitchFamily="34" charset="0"/>
                 <a:ea typeface="Microsoft YaHei" panose="020B0503020204020204" pitchFamily="34" charset="-122"/>
+                <a:cs typeface="Arial" panose="020B0604020202020204" pitchFamily="34" charset="0"/>
               </a:rPr>
               <a:t> </a:t>
             </a:r>
@@ -11638,8 +11699,9 @@
                     <a:lumMod val="75000"/>
                   </a:schemeClr>
                 </a:solidFill>
-                <a:latin typeface="Microsoft YaHei" panose="020B0503020204020204" pitchFamily="34" charset="-122"/>
+                <a:latin typeface="Arial" panose="020B0604020202020204" pitchFamily="34" charset="0"/>
                 <a:ea typeface="Microsoft YaHei" panose="020B0503020204020204" pitchFamily="34" charset="-122"/>
+                <a:cs typeface="Arial" panose="020B0604020202020204" pitchFamily="34" charset="0"/>
               </a:rPr>
               <a:t>partition</a:t>
             </a:r>
@@ -11649,8 +11711,9 @@
                   <a:lumMod val="75000"/>
                 </a:schemeClr>
               </a:solidFill>
-              <a:latin typeface="Microsoft YaHei" panose="020B0503020204020204" pitchFamily="34" charset="-122"/>
+              <a:latin typeface="Arial" panose="020B0604020202020204" pitchFamily="34" charset="0"/>
               <a:ea typeface="Microsoft YaHei" panose="020B0503020204020204" pitchFamily="34" charset="-122"/>
+              <a:cs typeface="Arial" panose="020B0604020202020204" pitchFamily="34" charset="0"/>
             </a:endParaRPr>
           </a:p>
         </p:txBody>
@@ -11673,8 +11736,8 @@
         </p:nvCxnSpPr>
         <p:spPr>
           <a:xfrm rot="10800000" flipV="1">
-            <a:off x="5020303" y="5493908"/>
-            <a:ext cx="931674" cy="823546"/>
+            <a:off x="5020303" y="5493906"/>
+            <a:ext cx="1005604" cy="823547"/>
           </a:xfrm>
           <a:prstGeom prst="curvedConnector3">
             <a:avLst>
@@ -11769,16 +11832,8 @@
                 <a:latin typeface="Arial" panose="020B0604020202020204" pitchFamily="34" charset="0"/>
                 <a:cs typeface="Arial" panose="020B0604020202020204" pitchFamily="34" charset="0"/>
               </a:rPr>
-              <a:t>: </a:t>
-            </a:r>
-            <a:r>
-              <a:rPr lang="en-US" sz="1000" b="0" dirty="0"/>
-              <a:t>How to partition? How to select partitions? How to utilize memory?</a:t>
-            </a:r>
-            <a:endParaRPr lang="en-US" sz="1000" b="0" dirty="0">
-              <a:latin typeface="Arial" panose="020B0604020202020204" pitchFamily="34" charset="0"/>
-              <a:cs typeface="Arial" panose="020B0604020202020204" pitchFamily="34" charset="0"/>
-            </a:endParaRPr>
+              <a:t>: How to partition? How to select partitions? How to utilize memory?</a:t>
+            </a:r>
           </a:p>
         </p:txBody>
       </p:sp>
@@ -11884,14 +11939,16 @@
             <a:pPr algn="ctr"/>
             <a:r>
               <a:rPr kumimoji="1" lang="en-SG" altLang="zh-CN" sz="1100" b="1" dirty="0">
-                <a:latin typeface="Microsoft YaHei" panose="020B0503020204020204" pitchFamily="34" charset="-122"/>
+                <a:latin typeface="Arial" panose="020B0604020202020204" pitchFamily="34" charset="0"/>
                 <a:ea typeface="Microsoft YaHei" panose="020B0503020204020204" pitchFamily="34" charset="-122"/>
+                <a:cs typeface="Arial" panose="020B0604020202020204" pitchFamily="34" charset="0"/>
               </a:rPr>
               <a:t>Insight 1</a:t>
             </a:r>
             <a:endParaRPr kumimoji="1" lang="zh-CN" altLang="en-US" sz="1100" b="1" dirty="0">
-              <a:latin typeface="Microsoft YaHei" panose="020B0503020204020204" pitchFamily="34" charset="-122"/>
+              <a:latin typeface="Arial" panose="020B0604020202020204" pitchFamily="34" charset="0"/>
               <a:ea typeface="Microsoft YaHei" panose="020B0503020204020204" pitchFamily="34" charset="-122"/>
+              <a:cs typeface="Arial" panose="020B0604020202020204" pitchFamily="34" charset="0"/>
             </a:endParaRPr>
           </a:p>
         </p:txBody>
@@ -11929,14 +11986,16 @@
             <a:pPr algn="ctr"/>
             <a:r>
               <a:rPr kumimoji="1" lang="en-SG" altLang="zh-CN" sz="1100" b="1" dirty="0">
-                <a:latin typeface="Microsoft YaHei" panose="020B0503020204020204" pitchFamily="34" charset="-122"/>
+                <a:latin typeface="Arial" panose="020B0604020202020204" pitchFamily="34" charset="0"/>
                 <a:ea typeface="Microsoft YaHei" panose="020B0503020204020204" pitchFamily="34" charset="-122"/>
+                <a:cs typeface="Arial" panose="020B0604020202020204" pitchFamily="34" charset="0"/>
               </a:rPr>
               <a:t>Insight 2</a:t>
             </a:r>
             <a:endParaRPr kumimoji="1" lang="zh-CN" altLang="en-US" sz="1100" b="1" dirty="0">
-              <a:latin typeface="Microsoft YaHei" panose="020B0503020204020204" pitchFamily="34" charset="-122"/>
+              <a:latin typeface="Arial" panose="020B0604020202020204" pitchFamily="34" charset="0"/>
               <a:ea typeface="Microsoft YaHei" panose="020B0503020204020204" pitchFamily="34" charset="-122"/>
+              <a:cs typeface="Arial" panose="020B0604020202020204" pitchFamily="34" charset="0"/>
             </a:endParaRPr>
           </a:p>
         </p:txBody>
@@ -13271,10 +13330,7 @@
           </a:prstGeom>
           <a:ln>
             <a:solidFill>
-              <a:schemeClr val="accent6">
-                <a:lumMod val="20000"/>
-                <a:lumOff val="80000"/>
-              </a:schemeClr>
+              <a:srgbClr val="66CCFF"/>
             </a:solidFill>
           </a:ln>
         </p:spPr>
@@ -13715,10 +13771,7 @@
           </a:prstGeom>
           <a:ln>
             <a:solidFill>
-              <a:schemeClr val="accent6">
-                <a:lumMod val="20000"/>
-                <a:lumOff val="80000"/>
-              </a:schemeClr>
+              <a:srgbClr val="66CCFF"/>
             </a:solidFill>
           </a:ln>
         </p:spPr>
@@ -14176,10 +14229,7 @@
           </a:prstGeom>
           <a:ln>
             <a:solidFill>
-              <a:schemeClr val="accent6">
-                <a:lumMod val="20000"/>
-                <a:lumOff val="80000"/>
-              </a:schemeClr>
+              <a:srgbClr val="66CCFF"/>
             </a:solidFill>
           </a:ln>
         </p:spPr>
@@ -15537,8 +15587,8 @@
         </p:nvSpPr>
         <p:spPr>
           <a:xfrm rot="16200000">
-            <a:off x="1091390" y="1314791"/>
-            <a:ext cx="184666" cy="1244790"/>
+            <a:off x="1083696" y="1314791"/>
+            <a:ext cx="200055" cy="1244790"/>
           </a:xfrm>
           <a:prstGeom prst="rect">
             <a:avLst/>
@@ -15555,21 +15605,23 @@
           <a:p>
             <a:pPr algn="l"/>
             <a:r>
-              <a:rPr kumimoji="1" lang="en-SG" altLang="zh-CN" sz="1200" b="1" dirty="0">
+              <a:rPr kumimoji="1" lang="en-SG" altLang="zh-CN" sz="1300" b="1" dirty="0">
                 <a:solidFill>
                   <a:schemeClr val="accent3"/>
                 </a:solidFill>
-                <a:latin typeface="Microsoft YaHei" panose="020B0503020204020204" pitchFamily="34" charset="-122"/>
+                <a:latin typeface="Arial" panose="020B0604020202020204" pitchFamily="34" charset="0"/>
                 <a:ea typeface="Microsoft YaHei" panose="020B0503020204020204" pitchFamily="34" charset="-122"/>
+                <a:cs typeface="Arial" panose="020B0604020202020204" pitchFamily="34" charset="0"/>
               </a:rPr>
               <a:t>Text generation</a:t>
             </a:r>
-            <a:endParaRPr kumimoji="1" lang="zh-CN" altLang="en-US" sz="1200" b="1" dirty="0">
+            <a:endParaRPr kumimoji="1" lang="zh-CN" altLang="en-US" sz="1300" b="1" dirty="0">
               <a:solidFill>
                 <a:schemeClr val="accent3"/>
               </a:solidFill>
-              <a:latin typeface="Microsoft YaHei" panose="020B0503020204020204" pitchFamily="34" charset="-122"/>
+              <a:latin typeface="Arial" panose="020B0604020202020204" pitchFamily="34" charset="0"/>
               <a:ea typeface="Microsoft YaHei" panose="020B0503020204020204" pitchFamily="34" charset="-122"/>
+              <a:cs typeface="Arial" panose="020B0604020202020204" pitchFamily="34" charset="0"/>
             </a:endParaRPr>
           </a:p>
         </p:txBody>
@@ -15683,8 +15735,8 @@
         </p:nvSpPr>
         <p:spPr>
           <a:xfrm rot="16200000">
-            <a:off x="9968478" y="1038645"/>
-            <a:ext cx="184666" cy="1800872"/>
+            <a:off x="9960784" y="1038645"/>
+            <a:ext cx="200055" cy="1800872"/>
           </a:xfrm>
           <a:prstGeom prst="rect">
             <a:avLst/>
@@ -15701,21 +15753,23 @@
           <a:p>
             <a:pPr algn="l"/>
             <a:r>
-              <a:rPr kumimoji="1" lang="en-SG" altLang="zh-CN" sz="1200" b="1" dirty="0">
+              <a:rPr kumimoji="1" lang="en-SG" altLang="zh-CN" sz="1300" b="1" dirty="0">
                 <a:solidFill>
                   <a:schemeClr val="accent3"/>
                 </a:solidFill>
-                <a:latin typeface="Microsoft YaHei" panose="020B0503020204020204" pitchFamily="34" charset="-122"/>
+                <a:latin typeface="Arial" panose="020B0604020202020204" pitchFamily="34" charset="0"/>
                 <a:ea typeface="Microsoft YaHei" panose="020B0503020204020204" pitchFamily="34" charset="-122"/>
+                <a:cs typeface="Arial" panose="020B0604020202020204" pitchFamily="34" charset="0"/>
               </a:rPr>
               <a:t>Index &amp; Transferability</a:t>
             </a:r>
-            <a:endParaRPr kumimoji="1" lang="zh-CN" altLang="en-US" sz="1200" b="1" dirty="0">
+            <a:endParaRPr kumimoji="1" lang="zh-CN" altLang="en-US" sz="1300" b="1" dirty="0">
               <a:solidFill>
                 <a:schemeClr val="accent3"/>
               </a:solidFill>
-              <a:latin typeface="Microsoft YaHei" panose="020B0503020204020204" pitchFamily="34" charset="-122"/>
+              <a:latin typeface="Arial" panose="020B0604020202020204" pitchFamily="34" charset="0"/>
               <a:ea typeface="Microsoft YaHei" panose="020B0503020204020204" pitchFamily="34" charset="-122"/>
+              <a:cs typeface="Arial" panose="020B0604020202020204" pitchFamily="34" charset="0"/>
             </a:endParaRPr>
           </a:p>
         </p:txBody>

--- a/paper/M-RAG.pptx
+++ b/paper/M-RAG.pptx
@@ -215,7 +215,7 @@
           <a:p>
             <a:fld id="{064393DA-8587-44D6-9E8F-883027701E04}" type="datetimeFigureOut">
               <a:rPr lang="en-GB" smtClean="0"/>
-              <a:t>01/07/2024</a:t>
+              <a:t>19/07/2024</a:t>
             </a:fld>
             <a:endParaRPr lang="en-GB"/>
           </a:p>
@@ -1637,7 +1637,7 @@
           <a:p>
             <a:fld id="{34D345EB-B0A5-4646-98CA-B6E3E01765CC}" type="datetime1">
               <a:rPr lang="en-GB" smtClean="0"/>
-              <a:t>01/07/2024</a:t>
+              <a:t>19/07/2024</a:t>
             </a:fld>
             <a:endParaRPr lang="en-GB"/>
           </a:p>
@@ -1837,7 +1837,7 @@
           <a:p>
             <a:fld id="{C29B435B-B099-4B2E-926E-55C5C737FFA7}" type="datetime1">
               <a:rPr lang="en-GB" smtClean="0"/>
-              <a:t>01/07/2024</a:t>
+              <a:t>19/07/2024</a:t>
             </a:fld>
             <a:endParaRPr lang="en-GB"/>
           </a:p>
@@ -2029,7 +2029,7 @@
           <a:p>
             <a:fld id="{AC1F1BF8-E17B-4B6E-8CBF-3DF614A1B740}" type="datetime1">
               <a:rPr lang="en-GB" smtClean="0"/>
-              <a:t>01/07/2024</a:t>
+              <a:t>19/07/2024</a:t>
             </a:fld>
             <a:endParaRPr lang="en-GB"/>
           </a:p>
@@ -2397,7 +2397,7 @@
           <a:p>
             <a:fld id="{31BF4872-1531-4ED2-8DE1-5A574DFB1F53}" type="datetime1">
               <a:rPr lang="en-GB" smtClean="0"/>
-              <a:t>01/07/2024</a:t>
+              <a:t>19/07/2024</a:t>
             </a:fld>
             <a:endParaRPr lang="en-GB"/>
           </a:p>
@@ -2575,7 +2575,7 @@
           <a:p>
             <a:fld id="{474A9C4D-EA58-481D-93E4-A53A7C808CCE}" type="datetime1">
               <a:rPr lang="en-GB" smtClean="0"/>
-              <a:t>01/07/2024</a:t>
+              <a:t>19/07/2024</a:t>
             </a:fld>
             <a:endParaRPr lang="en-GB"/>
           </a:p>
@@ -2839,7 +2839,7 @@
           <a:p>
             <a:fld id="{6896B38E-0345-49E7-BE68-17AC2E488B5F}" type="datetime1">
               <a:rPr lang="en-GB" smtClean="0"/>
-              <a:t>01/07/2024</a:t>
+              <a:t>19/07/2024</a:t>
             </a:fld>
             <a:endParaRPr lang="en-GB"/>
           </a:p>
@@ -3160,7 +3160,7 @@
           <a:p>
             <a:fld id="{7302A32F-B957-4253-B50A-EA6582C2ED25}" type="datetime1">
               <a:rPr lang="en-GB" smtClean="0"/>
-              <a:t>01/07/2024</a:t>
+              <a:t>19/07/2024</a:t>
             </a:fld>
             <a:endParaRPr lang="en-GB"/>
           </a:p>
@@ -4252,7 +4252,7 @@
           <a:p>
             <a:fld id="{8CC9CBF4-4392-4798-A87E-01CD6F8C35A4}" type="datetime1">
               <a:rPr lang="en-GB" smtClean="0"/>
-              <a:t>01/07/2024</a:t>
+              <a:t>19/07/2024</a:t>
             </a:fld>
             <a:endParaRPr lang="en-GB"/>
           </a:p>
@@ -6063,7 +6063,7 @@
           <a:p>
             <a:fld id="{A930F90B-DF74-4D62-BC59-51841C35E82C}" type="datetime1">
               <a:rPr lang="en-GB" smtClean="0"/>
-              <a:t>01/07/2024</a:t>
+              <a:t>19/07/2024</a:t>
             </a:fld>
             <a:endParaRPr lang="en-GB"/>
           </a:p>
@@ -6307,7 +6307,7 @@
           <a:p>
             <a:fld id="{7287BFFC-9CA5-4E50-B049-45D96DD1724B}" type="datetime1">
               <a:rPr lang="en-GB" smtClean="0"/>
-              <a:t>01/07/2024</a:t>
+              <a:t>19/07/2024</a:t>
             </a:fld>
             <a:endParaRPr lang="en-GB"/>
           </a:p>
@@ -6686,7 +6686,7 @@
           <a:p>
             <a:fld id="{985B9811-0636-4B1B-A1CD-1FDAE8537323}" type="datetime1">
               <a:rPr lang="en-GB" smtClean="0"/>
-              <a:t>01/07/2024</a:t>
+              <a:t>19/07/2024</a:t>
             </a:fld>
             <a:endParaRPr lang="en-GB"/>
           </a:p>
@@ -6816,7 +6816,7 @@
           <a:p>
             <a:fld id="{BD2B3FEC-A6EB-4CD3-A747-9603BB9E2157}" type="datetime1">
               <a:rPr lang="en-GB" smtClean="0"/>
-              <a:t>01/07/2024</a:t>
+              <a:t>19/07/2024</a:t>
             </a:fld>
             <a:endParaRPr lang="en-GB"/>
           </a:p>
@@ -6923,7 +6923,7 @@
           <a:p>
             <a:fld id="{C7C20FF9-DC68-4F79-B9BC-1FDC3119E9CF}" type="datetime1">
               <a:rPr lang="en-GB" smtClean="0"/>
-              <a:t>01/07/2024</a:t>
+              <a:t>19/07/2024</a:t>
             </a:fld>
             <a:endParaRPr lang="en-GB"/>
           </a:p>
@@ -7212,7 +7212,7 @@
           <a:p>
             <a:fld id="{BB52D110-C635-452D-B267-EAD0F8B99BF9}" type="datetime1">
               <a:rPr lang="en-GB" smtClean="0"/>
-              <a:t>01/07/2024</a:t>
+              <a:t>19/07/2024</a:t>
             </a:fld>
             <a:endParaRPr lang="en-GB"/>
           </a:p>
@@ -7481,7 +7481,7 @@
           <a:p>
             <a:fld id="{E6E1ECD7-CE9E-4761-A327-DC1BCF18DC8C}" type="datetime1">
               <a:rPr lang="en-GB" smtClean="0"/>
-              <a:t>01/07/2024</a:t>
+              <a:t>19/07/2024</a:t>
             </a:fld>
             <a:endParaRPr lang="en-GB"/>
           </a:p>
@@ -8292,7 +8292,7 @@
           <a:p>
             <a:fld id="{CDFC2330-3429-4128-9CCD-062C2B7CFE4F}" type="datetime1">
               <a:rPr lang="en-GB" smtClean="0"/>
-              <a:t>01/07/2024</a:t>
+              <a:t>19/07/2024</a:t>
             </a:fld>
             <a:endParaRPr lang="en-GB"/>
           </a:p>
@@ -12157,12 +12157,124 @@
           </a:p>
         </p:txBody>
       </p:sp>
+      <p:sp>
+        <p:nvSpPr>
+          <p:cNvPr id="33" name="文本框 17">
+            <a:extLst>
+              <a:ext uri="{FF2B5EF4-FFF2-40B4-BE49-F238E27FC236}">
+                <a16:creationId xmlns:a16="http://schemas.microsoft.com/office/drawing/2014/main" id="{C862FF9C-EF44-4481-85B6-E2D9DAD9E110}"/>
+              </a:ext>
+            </a:extLst>
+          </p:cNvPr>
+          <p:cNvSpPr txBox="1"/>
+          <p:nvPr/>
+        </p:nvSpPr>
+        <p:spPr>
+          <a:xfrm>
+            <a:off x="2570543" y="1926973"/>
+            <a:ext cx="1672061" cy="276999"/>
+          </a:xfrm>
+          <a:prstGeom prst="rect">
+            <a:avLst/>
+          </a:prstGeom>
+          <a:solidFill>
+            <a:schemeClr val="accent3"/>
+          </a:solidFill>
+        </p:spPr>
+        <p:txBody>
+          <a:bodyPr wrap="none" rtlCol="0">
+            <a:spAutoFit/>
+          </a:bodyPr>
+          <a:lstStyle/>
+          <a:p>
+            <a:r>
+              <a:rPr lang="en-SG" altLang="zh-CN" sz="1200" b="1" dirty="0">
+                <a:latin typeface="Arial" panose="020B0604020202020204" pitchFamily="34" charset="0"/>
+                <a:cs typeface="Arial" panose="020B0604020202020204" pitchFamily="34" charset="0"/>
+              </a:rPr>
+              <a:t>Existing</a:t>
+            </a:r>
+            <a:r>
+              <a:rPr lang="zh-CN" altLang="en-US" sz="1200" b="1" dirty="0">
+                <a:latin typeface="Arial" panose="020B0604020202020204" pitchFamily="34" charset="0"/>
+                <a:cs typeface="Arial" panose="020B0604020202020204" pitchFamily="34" charset="0"/>
+              </a:rPr>
+              <a:t> </a:t>
+            </a:r>
+            <a:r>
+              <a:rPr lang="en-SG" altLang="zh-CN" sz="1200" b="1" dirty="0">
+                <a:latin typeface="Arial" panose="020B0604020202020204" pitchFamily="34" charset="0"/>
+                <a:cs typeface="Arial" panose="020B0604020202020204" pitchFamily="34" charset="0"/>
+              </a:rPr>
+              <a:t>Techniques</a:t>
+            </a:r>
+            <a:endParaRPr lang="zh-CN" altLang="en-US" sz="1200" b="1" dirty="0">
+              <a:latin typeface="Arial" panose="020B0604020202020204" pitchFamily="34" charset="0"/>
+              <a:cs typeface="Arial" panose="020B0604020202020204" pitchFamily="34" charset="0"/>
+            </a:endParaRPr>
+          </a:p>
+        </p:txBody>
+      </p:sp>
+      <p:sp>
+        <p:nvSpPr>
+          <p:cNvPr id="41" name="矩形 14">
+            <a:extLst>
+              <a:ext uri="{FF2B5EF4-FFF2-40B4-BE49-F238E27FC236}">
+                <a16:creationId xmlns:a16="http://schemas.microsoft.com/office/drawing/2014/main" id="{1D2A2541-32A6-4BC4-8E1F-6E65E8B46854}"/>
+              </a:ext>
+            </a:extLst>
+          </p:cNvPr>
+          <p:cNvSpPr/>
+          <p:nvPr/>
+        </p:nvSpPr>
+        <p:spPr>
+          <a:xfrm>
+            <a:off x="6251249" y="2097725"/>
+            <a:ext cx="5386661" cy="4405314"/>
+          </a:xfrm>
+          <a:prstGeom prst="rect">
+            <a:avLst/>
+          </a:prstGeom>
+          <a:noFill/>
+          <a:ln>
+            <a:solidFill>
+              <a:schemeClr val="bg1">
+                <a:lumMod val="65000"/>
+              </a:schemeClr>
+            </a:solidFill>
+          </a:ln>
+        </p:spPr>
+        <p:style>
+          <a:lnRef idx="2">
+            <a:schemeClr val="accent1">
+              <a:shade val="50000"/>
+            </a:schemeClr>
+          </a:lnRef>
+          <a:fillRef idx="1">
+            <a:schemeClr val="accent1"/>
+          </a:fillRef>
+          <a:effectRef idx="0">
+            <a:schemeClr val="accent1"/>
+          </a:effectRef>
+          <a:fontRef idx="minor">
+            <a:schemeClr val="lt1"/>
+          </a:fontRef>
+        </p:style>
+        <p:txBody>
+          <a:bodyPr rtlCol="0" anchor="ctr"/>
+          <a:lstStyle/>
+          <a:p>
+            <a:pPr algn="ctr"/>
+            <a:endParaRPr lang="zh-CN" altLang="en-US"/>
+          </a:p>
+        </p:txBody>
+      </p:sp>
       <p:pic>
         <p:nvPicPr>
-          <p:cNvPr id="32" name="Picture 31">
+          <p:cNvPr id="43" name="Picture 42">
             <a:extLst>
               <a:ext uri="{FF2B5EF4-FFF2-40B4-BE49-F238E27FC236}">
-                <a16:creationId xmlns:a16="http://schemas.microsoft.com/office/drawing/2014/main" id="{D445E2DC-B1F3-41A6-BFDE-9BCCFC43A21F}"/>
+                <a16:creationId xmlns:a16="http://schemas.microsoft.com/office/drawing/2014/main" id="{C22D9178-A3FF-4318-8A86-258B4B24C95A}"/>
               </a:ext>
             </a:extLst>
           </p:cNvPr>
@@ -12179,148 +12291,6 @@
         </p:blipFill>
         <p:spPr>
           <a:xfrm>
-            <a:off x="6473121" y="4416580"/>
-            <a:ext cx="2161487" cy="2004807"/>
-          </a:xfrm>
-          <a:prstGeom prst="rect">
-            <a:avLst/>
-          </a:prstGeom>
-        </p:spPr>
-      </p:pic>
-      <p:sp>
-        <p:nvSpPr>
-          <p:cNvPr id="33" name="文本框 17">
-            <a:extLst>
-              <a:ext uri="{FF2B5EF4-FFF2-40B4-BE49-F238E27FC236}">
-                <a16:creationId xmlns:a16="http://schemas.microsoft.com/office/drawing/2014/main" id="{C862FF9C-EF44-4481-85B6-E2D9DAD9E110}"/>
-              </a:ext>
-            </a:extLst>
-          </p:cNvPr>
-          <p:cNvSpPr txBox="1"/>
-          <p:nvPr/>
-        </p:nvSpPr>
-        <p:spPr>
-          <a:xfrm>
-            <a:off x="2570543" y="1926973"/>
-            <a:ext cx="1672061" cy="276999"/>
-          </a:xfrm>
-          <a:prstGeom prst="rect">
-            <a:avLst/>
-          </a:prstGeom>
-          <a:solidFill>
-            <a:schemeClr val="accent3"/>
-          </a:solidFill>
-        </p:spPr>
-        <p:txBody>
-          <a:bodyPr wrap="none" rtlCol="0">
-            <a:spAutoFit/>
-          </a:bodyPr>
-          <a:lstStyle/>
-          <a:p>
-            <a:r>
-              <a:rPr lang="en-SG" altLang="zh-CN" sz="1200" b="1" dirty="0">
-                <a:latin typeface="Arial" panose="020B0604020202020204" pitchFamily="34" charset="0"/>
-                <a:cs typeface="Arial" panose="020B0604020202020204" pitchFamily="34" charset="0"/>
-              </a:rPr>
-              <a:t>Existing</a:t>
-            </a:r>
-            <a:r>
-              <a:rPr lang="zh-CN" altLang="en-US" sz="1200" b="1" dirty="0">
-                <a:latin typeface="Arial" panose="020B0604020202020204" pitchFamily="34" charset="0"/>
-                <a:cs typeface="Arial" panose="020B0604020202020204" pitchFamily="34" charset="0"/>
-              </a:rPr>
-              <a:t> </a:t>
-            </a:r>
-            <a:r>
-              <a:rPr lang="en-SG" altLang="zh-CN" sz="1200" b="1" dirty="0">
-                <a:latin typeface="Arial" panose="020B0604020202020204" pitchFamily="34" charset="0"/>
-                <a:cs typeface="Arial" panose="020B0604020202020204" pitchFamily="34" charset="0"/>
-              </a:rPr>
-              <a:t>Techniques</a:t>
-            </a:r>
-            <a:endParaRPr lang="zh-CN" altLang="en-US" sz="1200" b="1" dirty="0">
-              <a:latin typeface="Arial" panose="020B0604020202020204" pitchFamily="34" charset="0"/>
-              <a:cs typeface="Arial" panose="020B0604020202020204" pitchFamily="34" charset="0"/>
-            </a:endParaRPr>
-          </a:p>
-        </p:txBody>
-      </p:sp>
-      <p:sp>
-        <p:nvSpPr>
-          <p:cNvPr id="41" name="矩形 14">
-            <a:extLst>
-              <a:ext uri="{FF2B5EF4-FFF2-40B4-BE49-F238E27FC236}">
-                <a16:creationId xmlns:a16="http://schemas.microsoft.com/office/drawing/2014/main" id="{1D2A2541-32A6-4BC4-8E1F-6E65E8B46854}"/>
-              </a:ext>
-            </a:extLst>
-          </p:cNvPr>
-          <p:cNvSpPr/>
-          <p:nvPr/>
-        </p:nvSpPr>
-        <p:spPr>
-          <a:xfrm>
-            <a:off x="6251249" y="2097725"/>
-            <a:ext cx="5386661" cy="4405314"/>
-          </a:xfrm>
-          <a:prstGeom prst="rect">
-            <a:avLst/>
-          </a:prstGeom>
-          <a:noFill/>
-          <a:ln>
-            <a:solidFill>
-              <a:schemeClr val="bg1">
-                <a:lumMod val="65000"/>
-              </a:schemeClr>
-            </a:solidFill>
-          </a:ln>
-        </p:spPr>
-        <p:style>
-          <a:lnRef idx="2">
-            <a:schemeClr val="accent1">
-              <a:shade val="50000"/>
-            </a:schemeClr>
-          </a:lnRef>
-          <a:fillRef idx="1">
-            <a:schemeClr val="accent1"/>
-          </a:fillRef>
-          <a:effectRef idx="0">
-            <a:schemeClr val="accent1"/>
-          </a:effectRef>
-          <a:fontRef idx="minor">
-            <a:schemeClr val="lt1"/>
-          </a:fontRef>
-        </p:style>
-        <p:txBody>
-          <a:bodyPr rtlCol="0" anchor="ctr"/>
-          <a:lstStyle/>
-          <a:p>
-            <a:pPr algn="ctr"/>
-            <a:endParaRPr lang="zh-CN" altLang="en-US"/>
-          </a:p>
-        </p:txBody>
-      </p:sp>
-      <p:pic>
-        <p:nvPicPr>
-          <p:cNvPr id="43" name="Picture 42">
-            <a:extLst>
-              <a:ext uri="{FF2B5EF4-FFF2-40B4-BE49-F238E27FC236}">
-                <a16:creationId xmlns:a16="http://schemas.microsoft.com/office/drawing/2014/main" id="{C22D9178-A3FF-4318-8A86-258B4B24C95A}"/>
-              </a:ext>
-            </a:extLst>
-          </p:cNvPr>
-          <p:cNvPicPr>
-            <a:picLocks noChangeAspect="1"/>
-          </p:cNvPicPr>
-          <p:nvPr/>
-        </p:nvPicPr>
-        <p:blipFill>
-          <a:blip r:embed="rId5"/>
-          <a:stretch>
-            <a:fillRect/>
-          </a:stretch>
-        </p:blipFill>
-        <p:spPr>
-          <a:xfrm>
             <a:off x="6361112" y="2225894"/>
             <a:ext cx="5204301" cy="2109034"/>
           </a:xfrm>
@@ -12329,97 +12299,6 @@
           </a:prstGeom>
         </p:spPr>
       </p:pic>
-      <p:sp>
-        <p:nvSpPr>
-          <p:cNvPr id="45" name="椭圆 16">
-            <a:extLst>
-              <a:ext uri="{FF2B5EF4-FFF2-40B4-BE49-F238E27FC236}">
-                <a16:creationId xmlns:a16="http://schemas.microsoft.com/office/drawing/2014/main" id="{51837454-0825-4A01-94BA-FE71D6A65E3C}"/>
-              </a:ext>
-            </a:extLst>
-          </p:cNvPr>
-          <p:cNvSpPr/>
-          <p:nvPr/>
-        </p:nvSpPr>
-        <p:spPr>
-          <a:xfrm>
-            <a:off x="7387090" y="5908848"/>
-            <a:ext cx="1494765" cy="430887"/>
-          </a:xfrm>
-          <a:prstGeom prst="ellipse">
-            <a:avLst/>
-          </a:prstGeom>
-          <a:solidFill>
-            <a:schemeClr val="tx2">
-              <a:lumMod val="20000"/>
-              <a:lumOff val="80000"/>
-            </a:schemeClr>
-          </a:solidFill>
-          <a:ln w="3175">
-            <a:noFill/>
-          </a:ln>
-        </p:spPr>
-        <p:style>
-          <a:lnRef idx="2">
-            <a:schemeClr val="accent5">
-              <a:shade val="50000"/>
-            </a:schemeClr>
-          </a:lnRef>
-          <a:fillRef idx="1">
-            <a:schemeClr val="accent5"/>
-          </a:fillRef>
-          <a:effectRef idx="0">
-            <a:schemeClr val="accent5"/>
-          </a:effectRef>
-          <a:fontRef idx="minor">
-            <a:schemeClr val="lt1"/>
-          </a:fontRef>
-        </p:style>
-        <p:txBody>
-          <a:bodyPr rtlCol="0" anchor="ctr"/>
-          <a:lstStyle/>
-          <a:p>
-            <a:pPr algn="ctr" defTabSz="914400"/>
-            <a:r>
-              <a:rPr lang="en-SG" altLang="zh-CN" sz="1200" b="1" dirty="0">
-                <a:solidFill>
-                  <a:schemeClr val="tx1"/>
-                </a:solidFill>
-                <a:latin typeface="微软雅黑" panose="020B0503020204020204" pitchFamily="34" charset="-122"/>
-                <a:ea typeface="微软雅黑" panose="020B0503020204020204" pitchFamily="34" charset="-122"/>
-              </a:rPr>
-              <a:t>Knowledge</a:t>
-            </a:r>
-            <a:r>
-              <a:rPr lang="zh-CN" altLang="en-US" sz="1200" b="1" dirty="0">
-                <a:solidFill>
-                  <a:schemeClr val="tx1"/>
-                </a:solidFill>
-                <a:latin typeface="微软雅黑" panose="020B0503020204020204" pitchFamily="34" charset="-122"/>
-                <a:ea typeface="微软雅黑" panose="020B0503020204020204" pitchFamily="34" charset="-122"/>
-              </a:rPr>
-              <a:t> </a:t>
-            </a:r>
-            <a:r>
-              <a:rPr lang="en-SG" altLang="zh-CN" sz="1200" b="1" dirty="0">
-                <a:solidFill>
-                  <a:schemeClr val="tx1"/>
-                </a:solidFill>
-                <a:latin typeface="微软雅黑" panose="020B0503020204020204" pitchFamily="34" charset="-122"/>
-                <a:ea typeface="微软雅黑" panose="020B0503020204020204" pitchFamily="34" charset="-122"/>
-              </a:rPr>
-              <a:t>Store</a:t>
-            </a:r>
-            <a:endParaRPr lang="zh-CN" altLang="en-US" sz="1200" b="1" dirty="0">
-              <a:solidFill>
-                <a:schemeClr val="tx1"/>
-              </a:solidFill>
-              <a:latin typeface="微软雅黑" panose="020B0503020204020204" pitchFamily="34" charset="-122"/>
-              <a:ea typeface="微软雅黑" panose="020B0503020204020204" pitchFamily="34" charset="-122"/>
-            </a:endParaRPr>
-          </a:p>
-        </p:txBody>
-      </p:sp>
       <p:sp>
         <p:nvSpPr>
           <p:cNvPr id="47" name="Rectangle 46">
@@ -13040,6 +12919,127 @@
               </a:rPr>
               <a:t> as a new service</a:t>
             </a:r>
+          </a:p>
+        </p:txBody>
+      </p:sp>
+      <p:pic>
+        <p:nvPicPr>
+          <p:cNvPr id="2" name="Picture 1">
+            <a:extLst>
+              <a:ext uri="{FF2B5EF4-FFF2-40B4-BE49-F238E27FC236}">
+                <a16:creationId xmlns:a16="http://schemas.microsoft.com/office/drawing/2014/main" id="{8D663601-5AD1-494C-8AF3-F0F8E82F55DD}"/>
+              </a:ext>
+            </a:extLst>
+          </p:cNvPr>
+          <p:cNvPicPr>
+            <a:picLocks noChangeAspect="1"/>
+          </p:cNvPicPr>
+          <p:nvPr/>
+        </p:nvPicPr>
+        <p:blipFill>
+          <a:blip r:embed="rId5"/>
+          <a:stretch>
+            <a:fillRect/>
+          </a:stretch>
+        </p:blipFill>
+        <p:spPr>
+          <a:xfrm>
+            <a:off x="6488159" y="4391779"/>
+            <a:ext cx="2121701" cy="1975377"/>
+          </a:xfrm>
+          <a:prstGeom prst="rect">
+            <a:avLst/>
+          </a:prstGeom>
+        </p:spPr>
+      </p:pic>
+      <p:sp>
+        <p:nvSpPr>
+          <p:cNvPr id="45" name="椭圆 16">
+            <a:extLst>
+              <a:ext uri="{FF2B5EF4-FFF2-40B4-BE49-F238E27FC236}">
+                <a16:creationId xmlns:a16="http://schemas.microsoft.com/office/drawing/2014/main" id="{51837454-0825-4A01-94BA-FE71D6A65E3C}"/>
+              </a:ext>
+            </a:extLst>
+          </p:cNvPr>
+          <p:cNvSpPr/>
+          <p:nvPr/>
+        </p:nvSpPr>
+        <p:spPr>
+          <a:xfrm>
+            <a:off x="7448050" y="5908848"/>
+            <a:ext cx="1494765" cy="430887"/>
+          </a:xfrm>
+          <a:prstGeom prst="ellipse">
+            <a:avLst/>
+          </a:prstGeom>
+          <a:solidFill>
+            <a:schemeClr val="tx2">
+              <a:lumMod val="20000"/>
+              <a:lumOff val="80000"/>
+            </a:schemeClr>
+          </a:solidFill>
+          <a:ln w="3175">
+            <a:noFill/>
+          </a:ln>
+        </p:spPr>
+        <p:style>
+          <a:lnRef idx="2">
+            <a:schemeClr val="accent5">
+              <a:shade val="50000"/>
+            </a:schemeClr>
+          </a:lnRef>
+          <a:fillRef idx="1">
+            <a:schemeClr val="accent5"/>
+          </a:fillRef>
+          <a:effectRef idx="0">
+            <a:schemeClr val="accent5"/>
+          </a:effectRef>
+          <a:fontRef idx="minor">
+            <a:schemeClr val="lt1"/>
+          </a:fontRef>
+        </p:style>
+        <p:txBody>
+          <a:bodyPr rtlCol="0" anchor="ctr"/>
+          <a:lstStyle/>
+          <a:p>
+            <a:pPr algn="ctr" defTabSz="914400"/>
+            <a:r>
+              <a:rPr lang="en-SG" altLang="zh-CN" sz="1200" b="1" dirty="0">
+                <a:solidFill>
+                  <a:schemeClr val="tx1"/>
+                </a:solidFill>
+                <a:latin typeface="微软雅黑" panose="020B0503020204020204" pitchFamily="34" charset="-122"/>
+                <a:ea typeface="微软雅黑" panose="020B0503020204020204" pitchFamily="34" charset="-122"/>
+              </a:rPr>
+              <a:t>Knowledge</a:t>
+            </a:r>
+            <a:r>
+              <a:rPr lang="zh-CN" altLang="en-US" sz="1200" b="1" dirty="0">
+                <a:solidFill>
+                  <a:schemeClr val="tx1"/>
+                </a:solidFill>
+                <a:latin typeface="微软雅黑" panose="020B0503020204020204" pitchFamily="34" charset="-122"/>
+                <a:ea typeface="微软雅黑" panose="020B0503020204020204" pitchFamily="34" charset="-122"/>
+              </a:rPr>
+              <a:t> </a:t>
+            </a:r>
+            <a:r>
+              <a:rPr lang="en-SG" altLang="zh-CN" sz="1200" b="1" dirty="0">
+                <a:solidFill>
+                  <a:schemeClr val="tx1"/>
+                </a:solidFill>
+                <a:latin typeface="微软雅黑" panose="020B0503020204020204" pitchFamily="34" charset="-122"/>
+                <a:ea typeface="微软雅黑" panose="020B0503020204020204" pitchFamily="34" charset="-122"/>
+              </a:rPr>
+              <a:t>Store</a:t>
+            </a:r>
+            <a:endParaRPr lang="zh-CN" altLang="en-US" sz="1200" b="1" dirty="0">
+              <a:solidFill>
+                <a:schemeClr val="tx1"/>
+              </a:solidFill>
+              <a:latin typeface="微软雅黑" panose="020B0503020204020204" pitchFamily="34" charset="-122"/>
+              <a:ea typeface="微软雅黑" panose="020B0503020204020204" pitchFamily="34" charset="-122"/>
+            </a:endParaRPr>
           </a:p>
         </p:txBody>
       </p:sp>

--- a/paper/M-RAG.pptx
+++ b/paper/M-RAG.pptx
@@ -215,7 +215,7 @@
           <a:p>
             <a:fld id="{064393DA-8587-44D6-9E8F-883027701E04}" type="datetimeFigureOut">
               <a:rPr lang="en-GB" smtClean="0"/>
-              <a:t>19/07/2024</a:t>
+              <a:t>21/07/2024</a:t>
             </a:fld>
             <a:endParaRPr lang="en-GB"/>
           </a:p>
@@ -545,6 +545,58 @@
           <a:bodyPr/>
           <a:lstStyle/>
           <a:p>
+            <a:r>
+              <a:rPr lang="en-SG" sz="1200" kern="1200" dirty="0">
+                <a:solidFill>
+                  <a:schemeClr val="tx1"/>
+                </a:solidFill>
+                <a:effectLst/>
+                <a:latin typeface="+mn-lt"/>
+                <a:ea typeface="+mn-ea"/>
+                <a:cs typeface="+mn-cs"/>
+              </a:rPr>
+              <a:t>Hello everyone,</a:t>
+            </a:r>
+          </a:p>
+          <a:p>
+            <a:r>
+              <a:rPr lang="en-SG" sz="1200" kern="1200" dirty="0">
+                <a:solidFill>
+                  <a:schemeClr val="tx1"/>
+                </a:solidFill>
+                <a:effectLst/>
+                <a:latin typeface="+mn-lt"/>
+                <a:ea typeface="+mn-ea"/>
+                <a:cs typeface="+mn-cs"/>
+              </a:rPr>
+              <a:t>I am presenting the paper titled "M-RAG: Reinforcing Large Language Model Performance through Retrieval-Augmented Generation with Multiple Partitions" at ACL 2024. The authors are from Huawei Singapore Research </a:t>
+            </a:r>
+            <a:r>
+              <a:rPr lang="en-SG" sz="1200" kern="1200" dirty="0" err="1">
+                <a:solidFill>
+                  <a:schemeClr val="tx1"/>
+                </a:solidFill>
+                <a:effectLst/>
+                <a:latin typeface="+mn-lt"/>
+                <a:ea typeface="+mn-ea"/>
+                <a:cs typeface="+mn-cs"/>
+              </a:rPr>
+              <a:t>Center</a:t>
+            </a:r>
+            <a:r>
+              <a:rPr lang="en-SG" sz="1200" kern="1200" dirty="0">
+                <a:solidFill>
+                  <a:schemeClr val="tx1"/>
+                </a:solidFill>
+                <a:effectLst/>
+                <a:latin typeface="+mn-lt"/>
+                <a:ea typeface="+mn-ea"/>
+                <a:cs typeface="+mn-cs"/>
+              </a:rPr>
+              <a:t>.</a:t>
+            </a:r>
+          </a:p>
+          <a:p>
             <a:pPr marL="0" indent="0">
               <a:buNone/>
             </a:pPr>
@@ -638,6 +690,37 @@
           <a:bodyPr/>
           <a:lstStyle/>
           <a:p>
+            <a:pPr marL="0" marR="0" lvl="0" indent="0" algn="l" defTabSz="914400" rtl="0" eaLnBrk="1" fontAlgn="auto" latinLnBrk="0" hangingPunct="1">
+              <a:lnSpc>
+                <a:spcPct val="100000"/>
+              </a:lnSpc>
+              <a:spcBef>
+                <a:spcPts val="0"/>
+              </a:spcBef>
+              <a:spcAft>
+                <a:spcPts val="0"/>
+              </a:spcAft>
+              <a:buClrTx/>
+              <a:buSzTx/>
+              <a:buFontTx/>
+              <a:buNone/>
+              <a:tabLst/>
+              <a:defRPr/>
+            </a:pPr>
+            <a:r>
+              <a:rPr lang="en-SG" sz="1200" kern="1200" dirty="0">
+                <a:solidFill>
+                  <a:schemeClr val="tx1"/>
+                </a:solidFill>
+                <a:effectLst/>
+                <a:latin typeface="+mn-lt"/>
+                <a:ea typeface="+mn-ea"/>
+                <a:cs typeface="+mn-cs"/>
+              </a:rPr>
+              <a:t>We begin with an example of a large model application for background context. Consider Elon Musk, the CEO of Tesla and owner of Twitter, who is also a film actor, producer, and playwright. We input his biography into a Large Language Model (LLM) to answer the question: "In which episode of 'The Big Bang Theory' does Elon Musk appear, and what is the plot?" Existing RAG methods struggle to provide relevant answers because the retrieved information is not targeted. However, by partitioning his biography into sections such as Zip2, PayPal, Tesla, and film, and directing the film-related partition to the LLM, we obtain the correct answer: "The Big Bang Theory" Season 9, Episode 9. This example demonstrates that multi-partition RAG aligns better with intuitive search patterns and improves effectiveness. However, it introduces unique challenges: how to partition, select partitions, and utilize memory effectively. We discuss our developed techniques to address these challenges.</a:t>
+            </a:r>
+          </a:p>
+          <a:p>
             <a:pPr marL="0" indent="0">
               <a:buNone/>
             </a:pPr>
@@ -767,6 +850,144 @@
           <a:bodyPr/>
           <a:lstStyle/>
           <a:p>
+            <a:r>
+              <a:rPr lang="en-SG" sz="1200" kern="1200" dirty="0">
+                <a:solidFill>
+                  <a:schemeClr val="tx1"/>
+                </a:solidFill>
+                <a:effectLst/>
+                <a:latin typeface="+mn-lt"/>
+                <a:ea typeface="+mn-ea"/>
+                <a:cs typeface="+mn-cs"/>
+              </a:rPr>
+              <a:t>We introduce how M-RAG differs from existing RAG techniques. Traditional RAG methods can be categorized into three types: </a:t>
+            </a:r>
+          </a:p>
+          <a:p>
+            <a:endParaRPr lang="en-SG" sz="1200" kern="1200" dirty="0">
+              <a:solidFill>
+                <a:schemeClr val="tx1"/>
+              </a:solidFill>
+              <a:effectLst/>
+              <a:latin typeface="+mn-lt"/>
+              <a:ea typeface="+mn-ea"/>
+              <a:cs typeface="+mn-cs"/>
+            </a:endParaRPr>
+          </a:p>
+          <a:p>
+            <a:r>
+              <a:rPr lang="en-SG" sz="1200" kern="1200" dirty="0">
+                <a:solidFill>
+                  <a:schemeClr val="tx1"/>
+                </a:solidFill>
+                <a:effectLst/>
+                <a:latin typeface="+mn-lt"/>
+                <a:ea typeface="+mn-ea"/>
+                <a:cs typeface="+mn-cs"/>
+              </a:rPr>
+              <a:t>Naive RAG: follows an Indexing-Retrieval-Generation process but suffers from hallucination. </a:t>
+            </a:r>
+          </a:p>
+          <a:p>
+            <a:endParaRPr lang="en-SG" sz="1200" kern="1200" dirty="0">
+              <a:solidFill>
+                <a:schemeClr val="tx1"/>
+              </a:solidFill>
+              <a:effectLst/>
+              <a:latin typeface="+mn-lt"/>
+              <a:ea typeface="+mn-ea"/>
+              <a:cs typeface="+mn-cs"/>
+            </a:endParaRPr>
+          </a:p>
+          <a:p>
+            <a:r>
+              <a:rPr lang="en-SG" sz="1200" kern="1200" dirty="0">
+                <a:solidFill>
+                  <a:schemeClr val="tx1"/>
+                </a:solidFill>
+                <a:effectLst/>
+                <a:latin typeface="+mn-lt"/>
+                <a:ea typeface="+mn-ea"/>
+                <a:cs typeface="+mn-cs"/>
+              </a:rPr>
+              <a:t>Advanced RAG: aims to overcome the shortcomings of Naive RAG using pre- and post-retrieval adjustments. </a:t>
+            </a:r>
+          </a:p>
+          <a:p>
+            <a:endParaRPr lang="en-SG" sz="1200" kern="1200" dirty="0">
+              <a:solidFill>
+                <a:schemeClr val="tx1"/>
+              </a:solidFill>
+              <a:effectLst/>
+              <a:latin typeface="+mn-lt"/>
+              <a:ea typeface="+mn-ea"/>
+              <a:cs typeface="+mn-cs"/>
+            </a:endParaRPr>
+          </a:p>
+          <a:p>
+            <a:r>
+              <a:rPr lang="en-SG" sz="1200" kern="1200" dirty="0">
+                <a:solidFill>
+                  <a:schemeClr val="tx1"/>
+                </a:solidFill>
+                <a:effectLst/>
+                <a:latin typeface="+mn-lt"/>
+                <a:ea typeface="+mn-ea"/>
+                <a:cs typeface="+mn-cs"/>
+              </a:rPr>
+              <a:t>Modular RAG: enhances RAG with external modules like search and task adapters.</a:t>
+            </a:r>
+          </a:p>
+          <a:p>
+            <a:endParaRPr lang="en-SG" sz="1200" kern="1200" dirty="0">
+              <a:solidFill>
+                <a:schemeClr val="tx1"/>
+              </a:solidFill>
+              <a:effectLst/>
+              <a:latin typeface="+mn-lt"/>
+              <a:ea typeface="+mn-ea"/>
+              <a:cs typeface="+mn-cs"/>
+            </a:endParaRPr>
+          </a:p>
+          <a:p>
+            <a:r>
+              <a:rPr lang="en-SG" sz="1200" kern="1200" dirty="0">
+                <a:solidFill>
+                  <a:schemeClr val="tx1"/>
+                </a:solidFill>
+                <a:effectLst/>
+                <a:latin typeface="+mn-lt"/>
+                <a:ea typeface="+mn-ea"/>
+                <a:cs typeface="+mn-cs"/>
+              </a:rPr>
+              <a:t>In contrast, M-RAG treats partitions as basic units for RAG rather than databases. We also propose a multi-agent framework that optimizes end-to-end metrics instead of retrieval accuracy. Furthermore, we explore the concept of RAG as a Service. Inspired by </a:t>
+            </a:r>
+            <a:r>
+              <a:rPr lang="en-SG" sz="1200" kern="1200" dirty="0" err="1">
+                <a:solidFill>
+                  <a:schemeClr val="tx1"/>
+                </a:solidFill>
+                <a:effectLst/>
+                <a:latin typeface="+mn-lt"/>
+                <a:ea typeface="+mn-ea"/>
+                <a:cs typeface="+mn-cs"/>
+              </a:rPr>
+              <a:t>OpenAI's</a:t>
+            </a:r>
+            <a:r>
+              <a:rPr lang="en-SG" sz="1200" kern="1200" dirty="0">
+                <a:solidFill>
+                  <a:schemeClr val="tx1"/>
+                </a:solidFill>
+                <a:effectLst/>
+                <a:latin typeface="+mn-lt"/>
+                <a:ea typeface="+mn-ea"/>
+                <a:cs typeface="+mn-cs"/>
+              </a:rPr>
+              <a:t> GPTs, which function as LLMs as a Service through an App Store, we propose a Knowledge Store where developers can upload various types of knowledge. This knowledge can be public, private, or require payment, and with more precise knowledge, users can obtain more accurate answers via M-RAG, justifying the payment for the service.</a:t>
+            </a:r>
+          </a:p>
+          <a:p>
             <a:endParaRPr lang="zh-CN" altLang="en-US" sz="1200" dirty="0">
               <a:latin typeface="宋体" panose="02010600030101010101" pitchFamily="2" charset="-122"/>
               <a:ea typeface="宋体" panose="02010600030101010101" pitchFamily="2" charset="-122"/>
@@ -854,6 +1075,119 @@
           <a:bodyPr/>
           <a:lstStyle/>
           <a:p>
+            <a:r>
+              <a:rPr lang="en-SG" sz="1200" kern="1200" dirty="0">
+                <a:solidFill>
+                  <a:schemeClr val="tx1"/>
+                </a:solidFill>
+                <a:effectLst/>
+                <a:latin typeface="+mn-lt"/>
+                <a:ea typeface="+mn-ea"/>
+                <a:cs typeface="+mn-cs"/>
+              </a:rPr>
+              <a:t>We address three main challenges in M-RAG: </a:t>
+            </a:r>
+          </a:p>
+          <a:p>
+            <a:endParaRPr lang="en-SG" sz="1200" kern="1200" dirty="0">
+              <a:solidFill>
+                <a:schemeClr val="tx1"/>
+              </a:solidFill>
+              <a:effectLst/>
+              <a:latin typeface="+mn-lt"/>
+              <a:ea typeface="+mn-ea"/>
+              <a:cs typeface="+mn-cs"/>
+            </a:endParaRPr>
+          </a:p>
+          <a:p>
+            <a:r>
+              <a:rPr lang="en-SG" sz="1200" kern="1200" dirty="0">
+                <a:solidFill>
+                  <a:schemeClr val="tx1"/>
+                </a:solidFill>
+                <a:effectLst/>
+                <a:latin typeface="+mn-lt"/>
+                <a:ea typeface="+mn-ea"/>
+                <a:cs typeface="+mn-cs"/>
+              </a:rPr>
+              <a:t>Partitioning: We conduct an empirical study to determine the best partitioning strategy (e.g., LSH, clustering, graph partition, category) and the optimal number of partitions based on a validation set for a specific text generation task.</a:t>
+            </a:r>
+          </a:p>
+          <a:p>
+            <a:endParaRPr lang="en-SG" sz="1200" kern="1200" dirty="0">
+              <a:solidFill>
+                <a:schemeClr val="tx1"/>
+              </a:solidFill>
+              <a:effectLst/>
+              <a:latin typeface="+mn-lt"/>
+              <a:ea typeface="+mn-ea"/>
+              <a:cs typeface="+mn-cs"/>
+            </a:endParaRPr>
+          </a:p>
+          <a:p>
+            <a:r>
+              <a:rPr lang="en-SG" sz="1200" kern="1200" dirty="0">
+                <a:solidFill>
+                  <a:schemeClr val="tx1"/>
+                </a:solidFill>
+                <a:effectLst/>
+                <a:latin typeface="+mn-lt"/>
+                <a:ea typeface="+mn-ea"/>
+                <a:cs typeface="+mn-cs"/>
+              </a:rPr>
+              <a:t>Partition Selection: We introduce a reinforcement learning (RL) agent called Agent-S, </a:t>
+            </a:r>
+            <a:r>
+              <a:rPr lang="en-SG" sz="1200" kern="1200" dirty="0" err="1">
+                <a:solidFill>
+                  <a:schemeClr val="tx1"/>
+                </a:solidFill>
+                <a:effectLst/>
+                <a:latin typeface="+mn-lt"/>
+                <a:ea typeface="+mn-ea"/>
+                <a:cs typeface="+mn-cs"/>
+              </a:rPr>
+              <a:t>modeled</a:t>
+            </a:r>
+            <a:r>
+              <a:rPr lang="en-SG" sz="1200" kern="1200" dirty="0">
+                <a:solidFill>
+                  <a:schemeClr val="tx1"/>
+                </a:solidFill>
+                <a:effectLst/>
+                <a:latin typeface="+mn-lt"/>
+                <a:ea typeface="+mn-ea"/>
+                <a:cs typeface="+mn-cs"/>
+              </a:rPr>
+              <a:t> in a Multi-armed Bandit setup. If Agent-S selects a good partition, it receives a high reward based on task metrics like ROUGE for text summarization. We focus on end-to-end RAG performance rather than local retrieval precision or recall.</a:t>
+            </a:r>
+          </a:p>
+          <a:p>
+            <a:endParaRPr lang="en-SG" sz="1200" kern="1200" dirty="0">
+              <a:solidFill>
+                <a:schemeClr val="tx1"/>
+              </a:solidFill>
+              <a:effectLst/>
+              <a:latin typeface="+mn-lt"/>
+              <a:ea typeface="+mn-ea"/>
+              <a:cs typeface="+mn-cs"/>
+            </a:endParaRPr>
+          </a:p>
+          <a:p>
+            <a:r>
+              <a:rPr lang="en-SG" sz="1200" kern="1200" dirty="0">
+                <a:solidFill>
+                  <a:schemeClr val="tx1"/>
+                </a:solidFill>
+                <a:effectLst/>
+                <a:latin typeface="+mn-lt"/>
+                <a:ea typeface="+mn-ea"/>
+                <a:cs typeface="+mn-cs"/>
+              </a:rPr>
+              <a:t>Memory Utilization: We introduce another agent called Agent-R, which refines the retrieved memory from Agent-S. With refined memory, the LLM generates better text, providing a high reward that informs Agent-S for future memory retrieval. This creates a positive feedback loop. Agent-S and Agent-R are integrated through multi-agent reinforcement learning, jointly optimized to enhance text generation for given input queries.</a:t>
+            </a:r>
+          </a:p>
+          <a:p>
             <a:endParaRPr lang="zh-CN" altLang="en-US" sz="1200" dirty="0">
               <a:latin typeface="宋体" panose="02010600030101010101" pitchFamily="2" charset="-122"/>
               <a:ea typeface="宋体" panose="02010600030101010101" pitchFamily="2" charset="-122"/>
@@ -940,6 +1274,37 @@
         <p:txBody>
           <a:bodyPr/>
           <a:lstStyle/>
+          <a:p>
+            <a:pPr marL="0" marR="0" lvl="0" indent="0" algn="l" defTabSz="914400" rtl="0" eaLnBrk="1" fontAlgn="auto" latinLnBrk="0" hangingPunct="1">
+              <a:lnSpc>
+                <a:spcPct val="100000"/>
+              </a:lnSpc>
+              <a:spcBef>
+                <a:spcPts val="0"/>
+              </a:spcBef>
+              <a:spcAft>
+                <a:spcPts val="0"/>
+              </a:spcAft>
+              <a:buClrTx/>
+              <a:buSzTx/>
+              <a:buFontTx/>
+              <a:buNone/>
+              <a:tabLst/>
+              <a:defRPr/>
+            </a:pPr>
+            <a:r>
+              <a:rPr lang="en-SG" sz="1200" kern="1200" dirty="0">
+                <a:solidFill>
+                  <a:schemeClr val="tx1"/>
+                </a:solidFill>
+                <a:effectLst/>
+                <a:latin typeface="+mn-lt"/>
+                <a:ea typeface="+mn-ea"/>
+                <a:cs typeface="+mn-cs"/>
+              </a:rPr>
+              <a:t>We conduct comprehensive experiments on three language generation tasks: text summarization, machine translation, and dialogue generation, using three distinct language model architectures. Based on the recent MOE 8×7B model, M-RAG achieves improvements of 11%, 8%, and 12% in the respective tasks compared to the best baseline methods. Additionally, we observe that data partitioning and memory refinement both contribute to end-to-end performance, and M-RAG supports faster index construction and maintenance. M-RAG demonstrates excellent transferability across different underlying large model architectures in these text generation tasks.</a:t>
+            </a:r>
+          </a:p>
           <a:p>
             <a:endParaRPr lang="zh-CN" altLang="en-US" sz="1200" dirty="0">
               <a:latin typeface="宋体" panose="02010600030101010101" pitchFamily="2" charset="-122"/>
@@ -1637,7 +2002,7 @@
           <a:p>
             <a:fld id="{34D345EB-B0A5-4646-98CA-B6E3E01765CC}" type="datetime1">
               <a:rPr lang="en-GB" smtClean="0"/>
-              <a:t>19/07/2024</a:t>
+              <a:t>21/07/2024</a:t>
             </a:fld>
             <a:endParaRPr lang="en-GB"/>
           </a:p>
@@ -1837,7 +2202,7 @@
           <a:p>
             <a:fld id="{C29B435B-B099-4B2E-926E-55C5C737FFA7}" type="datetime1">
               <a:rPr lang="en-GB" smtClean="0"/>
-              <a:t>19/07/2024</a:t>
+              <a:t>21/07/2024</a:t>
             </a:fld>
             <a:endParaRPr lang="en-GB"/>
           </a:p>
@@ -2029,7 +2394,7 @@
           <a:p>
             <a:fld id="{AC1F1BF8-E17B-4B6E-8CBF-3DF614A1B740}" type="datetime1">
               <a:rPr lang="en-GB" smtClean="0"/>
-              <a:t>19/07/2024</a:t>
+              <a:t>21/07/2024</a:t>
             </a:fld>
             <a:endParaRPr lang="en-GB"/>
           </a:p>
@@ -2397,7 +2762,7 @@
           <a:p>
             <a:fld id="{31BF4872-1531-4ED2-8DE1-5A574DFB1F53}" type="datetime1">
               <a:rPr lang="en-GB" smtClean="0"/>
-              <a:t>19/07/2024</a:t>
+              <a:t>21/07/2024</a:t>
             </a:fld>
             <a:endParaRPr lang="en-GB"/>
           </a:p>
@@ -2575,7 +2940,7 @@
           <a:p>
             <a:fld id="{474A9C4D-EA58-481D-93E4-A53A7C808CCE}" type="datetime1">
               <a:rPr lang="en-GB" smtClean="0"/>
-              <a:t>19/07/2024</a:t>
+              <a:t>21/07/2024</a:t>
             </a:fld>
             <a:endParaRPr lang="en-GB"/>
           </a:p>
@@ -2839,7 +3204,7 @@
           <a:p>
             <a:fld id="{6896B38E-0345-49E7-BE68-17AC2E488B5F}" type="datetime1">
               <a:rPr lang="en-GB" smtClean="0"/>
-              <a:t>19/07/2024</a:t>
+              <a:t>21/07/2024</a:t>
             </a:fld>
             <a:endParaRPr lang="en-GB"/>
           </a:p>
@@ -3160,7 +3525,7 @@
           <a:p>
             <a:fld id="{7302A32F-B957-4253-B50A-EA6582C2ED25}" type="datetime1">
               <a:rPr lang="en-GB" smtClean="0"/>
-              <a:t>19/07/2024</a:t>
+              <a:t>21/07/2024</a:t>
             </a:fld>
             <a:endParaRPr lang="en-GB"/>
           </a:p>
@@ -4252,7 +4617,7 @@
           <a:p>
             <a:fld id="{8CC9CBF4-4392-4798-A87E-01CD6F8C35A4}" type="datetime1">
               <a:rPr lang="en-GB" smtClean="0"/>
-              <a:t>19/07/2024</a:t>
+              <a:t>21/07/2024</a:t>
             </a:fld>
             <a:endParaRPr lang="en-GB"/>
           </a:p>
@@ -6063,7 +6428,7 @@
           <a:p>
             <a:fld id="{A930F90B-DF74-4D62-BC59-51841C35E82C}" type="datetime1">
               <a:rPr lang="en-GB" smtClean="0"/>
-              <a:t>19/07/2024</a:t>
+              <a:t>21/07/2024</a:t>
             </a:fld>
             <a:endParaRPr lang="en-GB"/>
           </a:p>
@@ -6307,7 +6672,7 @@
           <a:p>
             <a:fld id="{7287BFFC-9CA5-4E50-B049-45D96DD1724B}" type="datetime1">
               <a:rPr lang="en-GB" smtClean="0"/>
-              <a:t>19/07/2024</a:t>
+              <a:t>21/07/2024</a:t>
             </a:fld>
             <a:endParaRPr lang="en-GB"/>
           </a:p>
@@ -6686,7 +7051,7 @@
           <a:p>
             <a:fld id="{985B9811-0636-4B1B-A1CD-1FDAE8537323}" type="datetime1">
               <a:rPr lang="en-GB" smtClean="0"/>
-              <a:t>19/07/2024</a:t>
+              <a:t>21/07/2024</a:t>
             </a:fld>
             <a:endParaRPr lang="en-GB"/>
           </a:p>
@@ -6816,7 +7181,7 @@
           <a:p>
             <a:fld id="{BD2B3FEC-A6EB-4CD3-A747-9603BB9E2157}" type="datetime1">
               <a:rPr lang="en-GB" smtClean="0"/>
-              <a:t>19/07/2024</a:t>
+              <a:t>21/07/2024</a:t>
             </a:fld>
             <a:endParaRPr lang="en-GB"/>
           </a:p>
@@ -6923,7 +7288,7 @@
           <a:p>
             <a:fld id="{C7C20FF9-DC68-4F79-B9BC-1FDC3119E9CF}" type="datetime1">
               <a:rPr lang="en-GB" smtClean="0"/>
-              <a:t>19/07/2024</a:t>
+              <a:t>21/07/2024</a:t>
             </a:fld>
             <a:endParaRPr lang="en-GB"/>
           </a:p>
@@ -7212,7 +7577,7 @@
           <a:p>
             <a:fld id="{BB52D110-C635-452D-B267-EAD0F8B99BF9}" type="datetime1">
               <a:rPr lang="en-GB" smtClean="0"/>
-              <a:t>19/07/2024</a:t>
+              <a:t>21/07/2024</a:t>
             </a:fld>
             <a:endParaRPr lang="en-GB"/>
           </a:p>
@@ -7481,7 +7846,7 @@
           <a:p>
             <a:fld id="{E6E1ECD7-CE9E-4761-A327-DC1BCF18DC8C}" type="datetime1">
               <a:rPr lang="en-GB" smtClean="0"/>
-              <a:t>19/07/2024</a:t>
+              <a:t>21/07/2024</a:t>
             </a:fld>
             <a:endParaRPr lang="en-GB"/>
           </a:p>
@@ -8292,7 +8657,7 @@
           <a:p>
             <a:fld id="{CDFC2330-3429-4128-9CCD-062C2B7CFE4F}" type="datetime1">
               <a:rPr lang="en-GB" smtClean="0"/>
-              <a:t>19/07/2024</a:t>
+              <a:t>21/07/2024</a:t>
             </a:fld>
             <a:endParaRPr lang="en-GB"/>
           </a:p>
